--- a/ED-Tema-6/6.3 EJERCICIOS_CYNTHIA JASMINE MORALES TORRES.pptx
+++ b/ED-Tema-6/6.3 EJERCICIOS_CYNTHIA JASMINE MORALES TORRES.pptx
@@ -8,14 +8,9 @@
     <p:sldId id="256" r:id="rId2"/>
     <p:sldId id="257" r:id="rId3"/>
     <p:sldId id="258" r:id="rId4"/>
-    <p:sldId id="260" r:id="rId5"/>
-    <p:sldId id="261" r:id="rId6"/>
-    <p:sldId id="262" r:id="rId7"/>
-    <p:sldId id="263" r:id="rId8"/>
-    <p:sldId id="264" r:id="rId9"/>
-    <p:sldId id="265" r:id="rId10"/>
-    <p:sldId id="259" r:id="rId11"/>
-    <p:sldId id="266" r:id="rId12"/>
+    <p:sldId id="267" r:id="rId5"/>
+    <p:sldId id="259" r:id="rId6"/>
+    <p:sldId id="266" r:id="rId7"/>
   </p:sldIdLst>
   <p:sldSz cx="12192000" cy="6858000"/>
   <p:notesSz cx="6858000" cy="9144000"/>
@@ -114,6 +109,11 @@
       </a:defRPr>
     </a:lvl9pPr>
   </p:defaultTextStyle>
+  <p:extLst>
+    <p:ext uri="{EFAFB233-063F-42B5-8137-9DF3F51BA10A}">
+      <p15:sldGuideLst xmlns:p15="http://schemas.microsoft.com/office/powerpoint/2012/main"/>
+    </p:ext>
+  </p:extLst>
 </p:presentation>
 </file>
 
@@ -167,7 +167,7 @@
           <a:noFill/>
           <a:extLst>
             <a:ext uri="{909E8E84-426E-40dd-AFC4-6F175D3DCCD1}">
-              <a14:hiddenFill xmlns:a14="http://schemas.microsoft.com/office/drawing/2010/main" xmlns="">
+              <a14:hiddenFill xmlns="" xmlns:a14="http://schemas.microsoft.com/office/drawing/2010/main">
                 <a:solidFill>
                   <a:srgbClr val="FFFFFF"/>
                 </a:solidFill>
@@ -227,7 +227,7 @@
             </a:ln>
             <a:extLst>
               <a:ext uri="{91240B29-F687-4f45-9708-019B960494DF}">
-                <a14:hiddenLine xmlns:a14="http://schemas.microsoft.com/office/drawing/2010/main" xmlns="" w="9525">
+                <a14:hiddenLine xmlns="" xmlns:a14="http://schemas.microsoft.com/office/drawing/2010/main" w="9525">
                   <a:solidFill>
                     <a:srgbClr val="000000"/>
                   </a:solidFill>
@@ -317,7 +317,7 @@
             </a:ln>
             <a:extLst>
               <a:ext uri="{91240B29-F687-4f45-9708-019B960494DF}">
-                <a14:hiddenLine xmlns:a14="http://schemas.microsoft.com/office/drawing/2010/main" xmlns="" w="9525">
+                <a14:hiddenLine xmlns="" xmlns:a14="http://schemas.microsoft.com/office/drawing/2010/main" w="9525">
                   <a:solidFill>
                     <a:srgbClr val="000000"/>
                   </a:solidFill>
@@ -407,7 +407,7 @@
             </a:ln>
             <a:extLst>
               <a:ext uri="{91240B29-F687-4f45-9708-019B960494DF}">
-                <a14:hiddenLine xmlns:a14="http://schemas.microsoft.com/office/drawing/2010/main" xmlns="" w="9525">
+                <a14:hiddenLine xmlns="" xmlns:a14="http://schemas.microsoft.com/office/drawing/2010/main" w="9525">
                   <a:solidFill>
                     <a:srgbClr val="000000"/>
                   </a:solidFill>
@@ -441,7 +441,7 @@
             </a:ln>
             <a:extLst>
               <a:ext uri="{91240B29-F687-4f45-9708-019B960494DF}">
-                <a14:hiddenLine xmlns:a14="http://schemas.microsoft.com/office/drawing/2010/main" xmlns="" w="9525">
+                <a14:hiddenLine xmlns="" xmlns:a14="http://schemas.microsoft.com/office/drawing/2010/main" w="9525">
                   <a:solidFill>
                     <a:srgbClr val="000000"/>
                   </a:solidFill>
@@ -531,7 +531,7 @@
             </a:ln>
             <a:extLst>
               <a:ext uri="{91240B29-F687-4f45-9708-019B960494DF}">
-                <a14:hiddenLine xmlns:a14="http://schemas.microsoft.com/office/drawing/2010/main" xmlns="" w="9525">
+                <a14:hiddenLine xmlns="" xmlns:a14="http://schemas.microsoft.com/office/drawing/2010/main" w="9525">
                   <a:solidFill>
                     <a:srgbClr val="000000"/>
                   </a:solidFill>
@@ -593,7 +593,7 @@
             </a:ln>
             <a:extLst>
               <a:ext uri="{91240B29-F687-4f45-9708-019B960494DF}">
-                <a14:hiddenLine xmlns:a14="http://schemas.microsoft.com/office/drawing/2010/main" xmlns="" w="9525">
+                <a14:hiddenLine xmlns="" xmlns:a14="http://schemas.microsoft.com/office/drawing/2010/main" w="9525">
                   <a:solidFill>
                     <a:srgbClr val="000000"/>
                   </a:solidFill>
@@ -655,7 +655,7 @@
             </a:ln>
             <a:extLst>
               <a:ext uri="{91240B29-F687-4f45-9708-019B960494DF}">
-                <a14:hiddenLine xmlns:a14="http://schemas.microsoft.com/office/drawing/2010/main" xmlns="" w="9525">
+                <a14:hiddenLine xmlns="" xmlns:a14="http://schemas.microsoft.com/office/drawing/2010/main" w="9525">
                   <a:solidFill>
                     <a:srgbClr val="000000"/>
                   </a:solidFill>
@@ -745,7 +745,7 @@
             </a:ln>
             <a:extLst>
               <a:ext uri="{91240B29-F687-4f45-9708-019B960494DF}">
-                <a14:hiddenLine xmlns:a14="http://schemas.microsoft.com/office/drawing/2010/main" xmlns="" w="9525">
+                <a14:hiddenLine xmlns="" xmlns:a14="http://schemas.microsoft.com/office/drawing/2010/main" w="9525">
                   <a:solidFill>
                     <a:srgbClr val="000000"/>
                   </a:solidFill>
@@ -807,7 +807,7 @@
             </a:ln>
             <a:extLst>
               <a:ext uri="{91240B29-F687-4f45-9708-019B960494DF}">
-                <a14:hiddenLine xmlns:a14="http://schemas.microsoft.com/office/drawing/2010/main" xmlns="" w="9525">
+                <a14:hiddenLine xmlns="" xmlns:a14="http://schemas.microsoft.com/office/drawing/2010/main" w="9525">
                   <a:solidFill>
                     <a:srgbClr val="000000"/>
                   </a:solidFill>
@@ -869,7 +869,7 @@
             </a:ln>
             <a:extLst>
               <a:ext uri="{91240B29-F687-4f45-9708-019B960494DF}">
-                <a14:hiddenLine xmlns:a14="http://schemas.microsoft.com/office/drawing/2010/main" xmlns="" w="9525">
+                <a14:hiddenLine xmlns="" xmlns:a14="http://schemas.microsoft.com/office/drawing/2010/main" w="9525">
                   <a:solidFill>
                     <a:srgbClr val="000000"/>
                   </a:solidFill>
@@ -959,7 +959,7 @@
             </a:ln>
             <a:extLst>
               <a:ext uri="{91240B29-F687-4f45-9708-019B960494DF}">
-                <a14:hiddenLine xmlns:a14="http://schemas.microsoft.com/office/drawing/2010/main" xmlns="" w="9525">
+                <a14:hiddenLine xmlns="" xmlns:a14="http://schemas.microsoft.com/office/drawing/2010/main" w="9525">
                   <a:solidFill>
                     <a:srgbClr val="000000"/>
                   </a:solidFill>
@@ -1049,7 +1049,7 @@
             </a:ln>
             <a:extLst>
               <a:ext uri="{91240B29-F687-4f45-9708-019B960494DF}">
-                <a14:hiddenLine xmlns:a14="http://schemas.microsoft.com/office/drawing/2010/main" xmlns="" w="9525">
+                <a14:hiddenLine xmlns="" xmlns:a14="http://schemas.microsoft.com/office/drawing/2010/main" w="9525">
                   <a:solidFill>
                     <a:srgbClr val="000000"/>
                   </a:solidFill>
@@ -1111,7 +1111,7 @@
             </a:ln>
             <a:extLst>
               <a:ext uri="{91240B29-F687-4f45-9708-019B960494DF}">
-                <a14:hiddenLine xmlns:a14="http://schemas.microsoft.com/office/drawing/2010/main" xmlns="" w="9525">
+                <a14:hiddenLine xmlns="" xmlns:a14="http://schemas.microsoft.com/office/drawing/2010/main" w="9525">
                   <a:solidFill>
                     <a:srgbClr val="000000"/>
                   </a:solidFill>
@@ -1221,7 +1221,7 @@
             </a:ln>
             <a:extLst>
               <a:ext uri="{91240B29-F687-4f45-9708-019B960494DF}">
-                <a14:hiddenLine xmlns:a14="http://schemas.microsoft.com/office/drawing/2010/main" xmlns="" w="9525">
+                <a14:hiddenLine xmlns="" xmlns:a14="http://schemas.microsoft.com/office/drawing/2010/main" w="9525">
                   <a:solidFill>
                     <a:srgbClr val="000000"/>
                   </a:solidFill>
@@ -1283,7 +1283,7 @@
             </a:ln>
             <a:extLst>
               <a:ext uri="{91240B29-F687-4f45-9708-019B960494DF}">
-                <a14:hiddenLine xmlns:a14="http://schemas.microsoft.com/office/drawing/2010/main" xmlns="" w="9525">
+                <a14:hiddenLine xmlns="" xmlns:a14="http://schemas.microsoft.com/office/drawing/2010/main" w="9525">
                   <a:solidFill>
                     <a:srgbClr val="000000"/>
                   </a:solidFill>
@@ -1373,7 +1373,7 @@
             </a:ln>
             <a:extLst>
               <a:ext uri="{91240B29-F687-4f45-9708-019B960494DF}">
-                <a14:hiddenLine xmlns:a14="http://schemas.microsoft.com/office/drawing/2010/main" xmlns="" w="9525">
+                <a14:hiddenLine xmlns="" xmlns:a14="http://schemas.microsoft.com/office/drawing/2010/main" w="9525">
                   <a:solidFill>
                     <a:srgbClr val="000000"/>
                   </a:solidFill>
@@ -1463,7 +1463,7 @@
             </a:ln>
             <a:extLst>
               <a:ext uri="{91240B29-F687-4f45-9708-019B960494DF}">
-                <a14:hiddenLine xmlns:a14="http://schemas.microsoft.com/office/drawing/2010/main" xmlns="" w="9525">
+                <a14:hiddenLine xmlns="" xmlns:a14="http://schemas.microsoft.com/office/drawing/2010/main" w="9525">
                   <a:solidFill>
                     <a:srgbClr val="000000"/>
                   </a:solidFill>
@@ -1525,7 +1525,7 @@
             </a:ln>
             <a:extLst>
               <a:ext uri="{91240B29-F687-4f45-9708-019B960494DF}">
-                <a14:hiddenLine xmlns:a14="http://schemas.microsoft.com/office/drawing/2010/main" xmlns="" w="9525">
+                <a14:hiddenLine xmlns="" xmlns:a14="http://schemas.microsoft.com/office/drawing/2010/main" w="9525">
                   <a:solidFill>
                     <a:srgbClr val="000000"/>
                   </a:solidFill>
@@ -1615,7 +1615,7 @@
             </a:ln>
             <a:extLst>
               <a:ext uri="{91240B29-F687-4f45-9708-019B960494DF}">
-                <a14:hiddenLine xmlns:a14="http://schemas.microsoft.com/office/drawing/2010/main" xmlns="" w="9525">
+                <a14:hiddenLine xmlns="" xmlns:a14="http://schemas.microsoft.com/office/drawing/2010/main" w="9525">
                   <a:solidFill>
                     <a:srgbClr val="000000"/>
                   </a:solidFill>
@@ -1705,7 +1705,7 @@
             </a:ln>
             <a:extLst>
               <a:ext uri="{91240B29-F687-4f45-9708-019B960494DF}">
-                <a14:hiddenLine xmlns:a14="http://schemas.microsoft.com/office/drawing/2010/main" xmlns="" w="9525">
+                <a14:hiddenLine xmlns="" xmlns:a14="http://schemas.microsoft.com/office/drawing/2010/main" w="9525">
                   <a:solidFill>
                     <a:srgbClr val="000000"/>
                   </a:solidFill>
@@ -1761,7 +1761,7 @@
             </a:ln>
             <a:extLst>
               <a:ext uri="{91240B29-F687-4f45-9708-019B960494DF}">
-                <a14:hiddenLine xmlns:a14="http://schemas.microsoft.com/office/drawing/2010/main" xmlns="" w="9525">
+                <a14:hiddenLine xmlns="" xmlns:a14="http://schemas.microsoft.com/office/drawing/2010/main" w="9525">
                   <a:solidFill>
                     <a:srgbClr val="000000"/>
                   </a:solidFill>
@@ -1851,7 +1851,7 @@
             </a:ln>
             <a:extLst>
               <a:ext uri="{91240B29-F687-4f45-9708-019B960494DF}">
-                <a14:hiddenLine xmlns:a14="http://schemas.microsoft.com/office/drawing/2010/main" xmlns="" w="9525">
+                <a14:hiddenLine xmlns="" xmlns:a14="http://schemas.microsoft.com/office/drawing/2010/main" w="9525">
                   <a:solidFill>
                     <a:srgbClr val="000000"/>
                   </a:solidFill>
@@ -1907,7 +1907,7 @@
             </a:ln>
             <a:extLst>
               <a:ext uri="{91240B29-F687-4f45-9708-019B960494DF}">
-                <a14:hiddenLine xmlns:a14="http://schemas.microsoft.com/office/drawing/2010/main" xmlns="" w="9525">
+                <a14:hiddenLine xmlns="" xmlns:a14="http://schemas.microsoft.com/office/drawing/2010/main" w="9525">
                   <a:solidFill>
                     <a:srgbClr val="000000"/>
                   </a:solidFill>
@@ -1997,7 +1997,7 @@
             </a:ln>
             <a:extLst>
               <a:ext uri="{91240B29-F687-4f45-9708-019B960494DF}">
-                <a14:hiddenLine xmlns:a14="http://schemas.microsoft.com/office/drawing/2010/main" xmlns="" w="9525">
+                <a14:hiddenLine xmlns="" xmlns:a14="http://schemas.microsoft.com/office/drawing/2010/main" w="9525">
                   <a:solidFill>
                     <a:srgbClr val="000000"/>
                   </a:solidFill>
@@ -2065,7 +2065,7 @@
             </a:ln>
             <a:extLst>
               <a:ext uri="{91240B29-F687-4f45-9708-019B960494DF}">
-                <a14:hiddenLine xmlns:a14="http://schemas.microsoft.com/office/drawing/2010/main" xmlns="" w="9525">
+                <a14:hiddenLine xmlns="" xmlns:a14="http://schemas.microsoft.com/office/drawing/2010/main" w="9525">
                   <a:solidFill>
                     <a:srgbClr val="000000"/>
                   </a:solidFill>
@@ -2155,7 +2155,7 @@
             </a:ln>
             <a:extLst>
               <a:ext uri="{91240B29-F687-4f45-9708-019B960494DF}">
-                <a14:hiddenLine xmlns:a14="http://schemas.microsoft.com/office/drawing/2010/main" xmlns="" w="9525">
+                <a14:hiddenLine xmlns="" xmlns:a14="http://schemas.microsoft.com/office/drawing/2010/main" w="9525">
                   <a:solidFill>
                     <a:srgbClr val="000000"/>
                   </a:solidFill>
@@ -2223,7 +2223,7 @@
             </a:ln>
             <a:extLst>
               <a:ext uri="{91240B29-F687-4f45-9708-019B960494DF}">
-                <a14:hiddenLine xmlns:a14="http://schemas.microsoft.com/office/drawing/2010/main" xmlns="" w="9525">
+                <a14:hiddenLine xmlns="" xmlns:a14="http://schemas.microsoft.com/office/drawing/2010/main" w="9525">
                   <a:solidFill>
                     <a:srgbClr val="000000"/>
                   </a:solidFill>
@@ -2313,7 +2313,7 @@
             </a:ln>
             <a:extLst>
               <a:ext uri="{91240B29-F687-4f45-9708-019B960494DF}">
-                <a14:hiddenLine xmlns:a14="http://schemas.microsoft.com/office/drawing/2010/main" xmlns="" w="9525">
+                <a14:hiddenLine xmlns="" xmlns:a14="http://schemas.microsoft.com/office/drawing/2010/main" w="9525">
                   <a:solidFill>
                     <a:srgbClr val="000000"/>
                   </a:solidFill>
@@ -2347,7 +2347,7 @@
             </a:ln>
             <a:extLst>
               <a:ext uri="{91240B29-F687-4f45-9708-019B960494DF}">
-                <a14:hiddenLine xmlns:a14="http://schemas.microsoft.com/office/drawing/2010/main" xmlns="" w="9525">
+                <a14:hiddenLine xmlns="" xmlns:a14="http://schemas.microsoft.com/office/drawing/2010/main" w="9525">
                   <a:solidFill>
                     <a:srgbClr val="000000"/>
                   </a:solidFill>
@@ -2437,7 +2437,7 @@
             </a:ln>
             <a:extLst>
               <a:ext uri="{91240B29-F687-4f45-9708-019B960494DF}">
-                <a14:hiddenLine xmlns:a14="http://schemas.microsoft.com/office/drawing/2010/main" xmlns="" w="9525">
+                <a14:hiddenLine xmlns="" xmlns:a14="http://schemas.microsoft.com/office/drawing/2010/main" w="9525">
                   <a:solidFill>
                     <a:srgbClr val="000000"/>
                   </a:solidFill>
@@ -2499,7 +2499,7 @@
             </a:ln>
             <a:extLst>
               <a:ext uri="{91240B29-F687-4f45-9708-019B960494DF}">
-                <a14:hiddenLine xmlns:a14="http://schemas.microsoft.com/office/drawing/2010/main" xmlns="" w="9525">
+                <a14:hiddenLine xmlns="" xmlns:a14="http://schemas.microsoft.com/office/drawing/2010/main" w="9525">
                   <a:solidFill>
                     <a:srgbClr val="000000"/>
                   </a:solidFill>
@@ -2561,7 +2561,7 @@
             </a:ln>
             <a:extLst>
               <a:ext uri="{91240B29-F687-4f45-9708-019B960494DF}">
-                <a14:hiddenLine xmlns:a14="http://schemas.microsoft.com/office/drawing/2010/main" xmlns="" w="9525">
+                <a14:hiddenLine xmlns="" xmlns:a14="http://schemas.microsoft.com/office/drawing/2010/main" w="9525">
                   <a:solidFill>
                     <a:srgbClr val="000000"/>
                   </a:solidFill>
@@ -2651,7 +2651,7 @@
             </a:ln>
             <a:extLst>
               <a:ext uri="{91240B29-F687-4f45-9708-019B960494DF}">
-                <a14:hiddenLine xmlns:a14="http://schemas.microsoft.com/office/drawing/2010/main" xmlns="" w="9525">
+                <a14:hiddenLine xmlns="" xmlns:a14="http://schemas.microsoft.com/office/drawing/2010/main" w="9525">
                   <a:solidFill>
                     <a:srgbClr val="000000"/>
                   </a:solidFill>
@@ -2719,7 +2719,7 @@
             </a:ln>
             <a:extLst>
               <a:ext uri="{91240B29-F687-4f45-9708-019B960494DF}">
-                <a14:hiddenLine xmlns:a14="http://schemas.microsoft.com/office/drawing/2010/main" xmlns="" w="9525">
+                <a14:hiddenLine xmlns="" xmlns:a14="http://schemas.microsoft.com/office/drawing/2010/main" w="9525">
                   <a:solidFill>
                     <a:srgbClr val="000000"/>
                   </a:solidFill>
@@ -2781,7 +2781,7 @@
             </a:ln>
             <a:extLst>
               <a:ext uri="{91240B29-F687-4f45-9708-019B960494DF}">
-                <a14:hiddenLine xmlns:a14="http://schemas.microsoft.com/office/drawing/2010/main" xmlns="" w="9525">
+                <a14:hiddenLine xmlns="" xmlns:a14="http://schemas.microsoft.com/office/drawing/2010/main" w="9525">
                   <a:solidFill>
                     <a:srgbClr val="000000"/>
                   </a:solidFill>
@@ -2871,7 +2871,7 @@
             </a:ln>
             <a:extLst>
               <a:ext uri="{91240B29-F687-4f45-9708-019B960494DF}">
-                <a14:hiddenLine xmlns:a14="http://schemas.microsoft.com/office/drawing/2010/main" xmlns="" w="9525">
+                <a14:hiddenLine xmlns="" xmlns:a14="http://schemas.microsoft.com/office/drawing/2010/main" w="9525">
                   <a:solidFill>
                     <a:srgbClr val="000000"/>
                   </a:solidFill>
@@ -2933,7 +2933,7 @@
             </a:ln>
             <a:extLst>
               <a:ext uri="{91240B29-F687-4f45-9708-019B960494DF}">
-                <a14:hiddenLine xmlns:a14="http://schemas.microsoft.com/office/drawing/2010/main" xmlns="" w="9525">
+                <a14:hiddenLine xmlns="" xmlns:a14="http://schemas.microsoft.com/office/drawing/2010/main" w="9525">
                   <a:solidFill>
                     <a:srgbClr val="000000"/>
                   </a:solidFill>
@@ -3023,7 +3023,7 @@
             </a:ln>
             <a:extLst>
               <a:ext uri="{91240B29-F687-4f45-9708-019B960494DF}">
-                <a14:hiddenLine xmlns:a14="http://schemas.microsoft.com/office/drawing/2010/main" xmlns="" w="9525">
+                <a14:hiddenLine xmlns="" xmlns:a14="http://schemas.microsoft.com/office/drawing/2010/main" w="9525">
                   <a:solidFill>
                     <a:srgbClr val="000000"/>
                   </a:solidFill>
@@ -3085,7 +3085,7 @@
             </a:ln>
             <a:extLst>
               <a:ext uri="{91240B29-F687-4f45-9708-019B960494DF}">
-                <a14:hiddenLine xmlns:a14="http://schemas.microsoft.com/office/drawing/2010/main" xmlns="" w="9525">
+                <a14:hiddenLine xmlns="" xmlns:a14="http://schemas.microsoft.com/office/drawing/2010/main" w="9525">
                   <a:solidFill>
                     <a:srgbClr val="000000"/>
                   </a:solidFill>
@@ -3175,7 +3175,7 @@
             </a:ln>
             <a:extLst>
               <a:ext uri="{91240B29-F687-4f45-9708-019B960494DF}">
-                <a14:hiddenLine xmlns:a14="http://schemas.microsoft.com/office/drawing/2010/main" xmlns="" w="9525">
+                <a14:hiddenLine xmlns="" xmlns:a14="http://schemas.microsoft.com/office/drawing/2010/main" w="9525">
                   <a:solidFill>
                     <a:srgbClr val="000000"/>
                   </a:solidFill>
@@ -3209,7 +3209,7 @@
             </a:ln>
             <a:extLst>
               <a:ext uri="{91240B29-F687-4f45-9708-019B960494DF}">
-                <a14:hiddenLine xmlns:a14="http://schemas.microsoft.com/office/drawing/2010/main" xmlns="" w="9525">
+                <a14:hiddenLine xmlns="" xmlns:a14="http://schemas.microsoft.com/office/drawing/2010/main" w="9525">
                   <a:solidFill>
                     <a:srgbClr val="000000"/>
                   </a:solidFill>
@@ -3274,7 +3274,7 @@
             </a:ln>
             <a:extLst>
               <a:ext uri="{91240B29-F687-4f45-9708-019B960494DF}">
-                <a14:hiddenLine xmlns:a14="http://schemas.microsoft.com/office/drawing/2010/main" xmlns="" w="9525">
+                <a14:hiddenLine xmlns="" xmlns:a14="http://schemas.microsoft.com/office/drawing/2010/main" w="9525">
                   <a:solidFill>
                     <a:srgbClr val="000000"/>
                   </a:solidFill>
@@ -3364,7 +3364,7 @@
             </a:ln>
             <a:extLst>
               <a:ext uri="{91240B29-F687-4f45-9708-019B960494DF}">
-                <a14:hiddenLine xmlns:a14="http://schemas.microsoft.com/office/drawing/2010/main" xmlns="" w="9525">
+                <a14:hiddenLine xmlns="" xmlns:a14="http://schemas.microsoft.com/office/drawing/2010/main" w="9525">
                   <a:solidFill>
                     <a:srgbClr val="000000"/>
                   </a:solidFill>
@@ -3426,7 +3426,7 @@
             </a:ln>
             <a:extLst>
               <a:ext uri="{91240B29-F687-4f45-9708-019B960494DF}">
-                <a14:hiddenLine xmlns:a14="http://schemas.microsoft.com/office/drawing/2010/main" xmlns="" w="9525">
+                <a14:hiddenLine xmlns="" xmlns:a14="http://schemas.microsoft.com/office/drawing/2010/main" w="9525">
                   <a:solidFill>
                     <a:srgbClr val="000000"/>
                   </a:solidFill>
@@ -3516,7 +3516,7 @@
             </a:ln>
             <a:extLst>
               <a:ext uri="{91240B29-F687-4f45-9708-019B960494DF}">
-                <a14:hiddenLine xmlns:a14="http://schemas.microsoft.com/office/drawing/2010/main" xmlns="" w="9525">
+                <a14:hiddenLine xmlns="" xmlns:a14="http://schemas.microsoft.com/office/drawing/2010/main" w="9525">
                   <a:solidFill>
                     <a:srgbClr val="000000"/>
                   </a:solidFill>
@@ -3606,7 +3606,7 @@
             </a:ln>
             <a:extLst>
               <a:ext uri="{91240B29-F687-4f45-9708-019B960494DF}">
-                <a14:hiddenLine xmlns:a14="http://schemas.microsoft.com/office/drawing/2010/main" xmlns="" w="9525">
+                <a14:hiddenLine xmlns="" xmlns:a14="http://schemas.microsoft.com/office/drawing/2010/main" w="9525">
                   <a:solidFill>
                     <a:srgbClr val="000000"/>
                   </a:solidFill>
@@ -3671,7 +3671,7 @@
             </a:ln>
             <a:extLst>
               <a:ext uri="{91240B29-F687-4f45-9708-019B960494DF}">
-                <a14:hiddenLine xmlns:a14="http://schemas.microsoft.com/office/drawing/2010/main" xmlns="" w="9525">
+                <a14:hiddenLine xmlns="" xmlns:a14="http://schemas.microsoft.com/office/drawing/2010/main" w="9525">
                   <a:solidFill>
                     <a:srgbClr val="000000"/>
                   </a:solidFill>
@@ -3733,7 +3733,7 @@
             </a:ln>
             <a:extLst>
               <a:ext uri="{91240B29-F687-4f45-9708-019B960494DF}">
-                <a14:hiddenLine xmlns:a14="http://schemas.microsoft.com/office/drawing/2010/main" xmlns="" w="9525">
+                <a14:hiddenLine xmlns="" xmlns:a14="http://schemas.microsoft.com/office/drawing/2010/main" w="9525">
                   <a:solidFill>
                     <a:srgbClr val="000000"/>
                   </a:solidFill>
@@ -3823,7 +3823,7 @@
             </a:ln>
             <a:extLst>
               <a:ext uri="{91240B29-F687-4f45-9708-019B960494DF}">
-                <a14:hiddenLine xmlns:a14="http://schemas.microsoft.com/office/drawing/2010/main" xmlns="" w="9525">
+                <a14:hiddenLine xmlns="" xmlns:a14="http://schemas.microsoft.com/office/drawing/2010/main" w="9525">
                   <a:solidFill>
                     <a:srgbClr val="000000"/>
                   </a:solidFill>
@@ -3913,7 +3913,7 @@
             </a:ln>
             <a:extLst>
               <a:ext uri="{91240B29-F687-4f45-9708-019B960494DF}">
-                <a14:hiddenLine xmlns:a14="http://schemas.microsoft.com/office/drawing/2010/main" xmlns="" w="9525">
+                <a14:hiddenLine xmlns="" xmlns:a14="http://schemas.microsoft.com/office/drawing/2010/main" w="9525">
                   <a:solidFill>
                     <a:srgbClr val="000000"/>
                   </a:solidFill>
@@ -3975,7 +3975,7 @@
             </a:ln>
             <a:extLst>
               <a:ext uri="{91240B29-F687-4f45-9708-019B960494DF}">
-                <a14:hiddenLine xmlns:a14="http://schemas.microsoft.com/office/drawing/2010/main" xmlns="" w="9525">
+                <a14:hiddenLine xmlns="" xmlns:a14="http://schemas.microsoft.com/office/drawing/2010/main" w="9525">
                   <a:solidFill>
                     <a:srgbClr val="000000"/>
                   </a:solidFill>
@@ -4095,7 +4095,7 @@
             </a:ln>
             <a:extLst>
               <a:ext uri="{91240B29-F687-4f45-9708-019B960494DF}">
-                <a14:hiddenLine xmlns:a14="http://schemas.microsoft.com/office/drawing/2010/main" xmlns="" w="9525">
+                <a14:hiddenLine xmlns="" xmlns:a14="http://schemas.microsoft.com/office/drawing/2010/main" w="9525">
                   <a:solidFill>
                     <a:srgbClr val="000000"/>
                   </a:solidFill>
@@ -4163,7 +4163,7 @@
             </a:ln>
             <a:extLst>
               <a:ext uri="{91240B29-F687-4f45-9708-019B960494DF}">
-                <a14:hiddenLine xmlns:a14="http://schemas.microsoft.com/office/drawing/2010/main" xmlns="" w="9525">
+                <a14:hiddenLine xmlns="" xmlns:a14="http://schemas.microsoft.com/office/drawing/2010/main" w="9525">
                   <a:solidFill>
                     <a:srgbClr val="000000"/>
                   </a:solidFill>
@@ -4253,7 +4253,7 @@
             </a:ln>
             <a:extLst>
               <a:ext uri="{91240B29-F687-4f45-9708-019B960494DF}">
-                <a14:hiddenLine xmlns:a14="http://schemas.microsoft.com/office/drawing/2010/main" xmlns="" w="9525">
+                <a14:hiddenLine xmlns="" xmlns:a14="http://schemas.microsoft.com/office/drawing/2010/main" w="9525">
                   <a:solidFill>
                     <a:srgbClr val="000000"/>
                   </a:solidFill>
@@ -4393,7 +4393,7 @@
           <a:p>
             <a:fld id="{FDE3D044-1237-4B20-A92B-AA12A697B7CD}" type="datetimeFigureOut">
               <a:rPr lang="es-MX" smtClean="0"/>
-              <a:t>13/12/2025</a:t>
+              <a:t>14/12/2025</a:t>
             </a:fld>
             <a:endParaRPr lang="es-MX"/>
           </a:p>
@@ -4660,7 +4660,7 @@
           <a:p>
             <a:fld id="{FDE3D044-1237-4B20-A92B-AA12A697B7CD}" type="datetimeFigureOut">
               <a:rPr lang="es-MX" smtClean="0"/>
-              <a:t>13/12/2025</a:t>
+              <a:t>14/12/2025</a:t>
             </a:fld>
             <a:endParaRPr lang="es-MX"/>
           </a:p>
@@ -4856,7 +4856,7 @@
           <a:p>
             <a:fld id="{FDE3D044-1237-4B20-A92B-AA12A697B7CD}" type="datetimeFigureOut">
               <a:rPr lang="es-MX" smtClean="0"/>
-              <a:t>13/12/2025</a:t>
+              <a:t>14/12/2025</a:t>
             </a:fld>
             <a:endParaRPr lang="es-MX"/>
           </a:p>
@@ -5119,7 +5119,7 @@
           <a:p>
             <a:fld id="{FDE3D044-1237-4B20-A92B-AA12A697B7CD}" type="datetimeFigureOut">
               <a:rPr lang="es-MX" smtClean="0"/>
-              <a:t>13/12/2025</a:t>
+              <a:t>14/12/2025</a:t>
             </a:fld>
             <a:endParaRPr lang="es-MX"/>
           </a:p>
@@ -5553,7 +5553,7 @@
           <a:p>
             <a:fld id="{FDE3D044-1237-4B20-A92B-AA12A697B7CD}" type="datetimeFigureOut">
               <a:rPr lang="es-MX" smtClean="0"/>
-              <a:t>13/12/2025</a:t>
+              <a:t>14/12/2025</a:t>
             </a:fld>
             <a:endParaRPr lang="es-MX"/>
           </a:p>
@@ -6099,7 +6099,7 @@
           <a:p>
             <a:fld id="{FDE3D044-1237-4B20-A92B-AA12A697B7CD}" type="datetimeFigureOut">
               <a:rPr lang="es-MX" smtClean="0"/>
-              <a:t>13/12/2025</a:t>
+              <a:t>14/12/2025</a:t>
             </a:fld>
             <a:endParaRPr lang="es-MX"/>
           </a:p>
@@ -6819,7 +6819,7 @@
           <a:p>
             <a:fld id="{FDE3D044-1237-4B20-A92B-AA12A697B7CD}" type="datetimeFigureOut">
               <a:rPr lang="es-MX" smtClean="0"/>
-              <a:t>13/12/2025</a:t>
+              <a:t>14/12/2025</a:t>
             </a:fld>
             <a:endParaRPr lang="es-MX"/>
           </a:p>
@@ -6989,7 +6989,7 @@
           <a:p>
             <a:fld id="{FDE3D044-1237-4B20-A92B-AA12A697B7CD}" type="datetimeFigureOut">
               <a:rPr lang="es-MX" smtClean="0"/>
-              <a:t>13/12/2025</a:t>
+              <a:t>14/12/2025</a:t>
             </a:fld>
             <a:endParaRPr lang="es-MX"/>
           </a:p>
@@ -7169,7 +7169,7 @@
           <a:p>
             <a:fld id="{FDE3D044-1237-4B20-A92B-AA12A697B7CD}" type="datetimeFigureOut">
               <a:rPr lang="es-MX" smtClean="0"/>
-              <a:t>13/12/2025</a:t>
+              <a:t>14/12/2025</a:t>
             </a:fld>
             <a:endParaRPr lang="es-MX"/>
           </a:p>
@@ -7339,7 +7339,7 @@
           <a:p>
             <a:fld id="{FDE3D044-1237-4B20-A92B-AA12A697B7CD}" type="datetimeFigureOut">
               <a:rPr lang="es-MX" smtClean="0"/>
-              <a:t>13/12/2025</a:t>
+              <a:t>14/12/2025</a:t>
             </a:fld>
             <a:endParaRPr lang="es-MX"/>
           </a:p>
@@ -7589,7 +7589,7 @@
           <a:p>
             <a:fld id="{FDE3D044-1237-4B20-A92B-AA12A697B7CD}" type="datetimeFigureOut">
               <a:rPr lang="es-MX" smtClean="0"/>
-              <a:t>13/12/2025</a:t>
+              <a:t>14/12/2025</a:t>
             </a:fld>
             <a:endParaRPr lang="es-MX"/>
           </a:p>
@@ -7821,7 +7821,7 @@
           <a:p>
             <a:fld id="{FDE3D044-1237-4B20-A92B-AA12A697B7CD}" type="datetimeFigureOut">
               <a:rPr lang="es-MX" smtClean="0"/>
-              <a:t>13/12/2025</a:t>
+              <a:t>14/12/2025</a:t>
             </a:fld>
             <a:endParaRPr lang="es-MX"/>
           </a:p>
@@ -8202,7 +8202,7 @@
           <a:p>
             <a:fld id="{FDE3D044-1237-4B20-A92B-AA12A697B7CD}" type="datetimeFigureOut">
               <a:rPr lang="es-MX" smtClean="0"/>
-              <a:t>13/12/2025</a:t>
+              <a:t>14/12/2025</a:t>
             </a:fld>
             <a:endParaRPr lang="es-MX"/>
           </a:p>
@@ -8320,7 +8320,7 @@
           <a:p>
             <a:fld id="{FDE3D044-1237-4B20-A92B-AA12A697B7CD}" type="datetimeFigureOut">
               <a:rPr lang="es-MX" smtClean="0"/>
-              <a:t>13/12/2025</a:t>
+              <a:t>14/12/2025</a:t>
             </a:fld>
             <a:endParaRPr lang="es-MX"/>
           </a:p>
@@ -8415,7 +8415,7 @@
           <a:p>
             <a:fld id="{FDE3D044-1237-4B20-A92B-AA12A697B7CD}" type="datetimeFigureOut">
               <a:rPr lang="es-MX" smtClean="0"/>
-              <a:t>13/12/2025</a:t>
+              <a:t>14/12/2025</a:t>
             </a:fld>
             <a:endParaRPr lang="es-MX"/>
           </a:p>
@@ -8664,7 +8664,7 @@
           <a:p>
             <a:fld id="{FDE3D044-1237-4B20-A92B-AA12A697B7CD}" type="datetimeFigureOut">
               <a:rPr lang="es-MX" smtClean="0"/>
-              <a:t>13/12/2025</a:t>
+              <a:t>14/12/2025</a:t>
             </a:fld>
             <a:endParaRPr lang="es-MX"/>
           </a:p>
@@ -8944,7 +8944,7 @@
           <a:p>
             <a:fld id="{FDE3D044-1237-4B20-A92B-AA12A697B7CD}" type="datetimeFigureOut">
               <a:rPr lang="es-MX" smtClean="0"/>
-              <a:t>13/12/2025</a:t>
+              <a:t>14/12/2025</a:t>
             </a:fld>
             <a:endParaRPr lang="es-MX"/>
           </a:p>
@@ -9060,7 +9060,7 @@
           <a:noFill/>
           <a:extLst>
             <a:ext uri="{909E8E84-426E-40dd-AFC4-6F175D3DCCD1}">
-              <a14:hiddenFill xmlns:a14="http://schemas.microsoft.com/office/drawing/2010/main" xmlns="">
+              <a14:hiddenFill xmlns="" xmlns:a14="http://schemas.microsoft.com/office/drawing/2010/main">
                 <a:solidFill>
                   <a:srgbClr val="FFFFFF"/>
                 </a:solidFill>
@@ -9134,7 +9134,7 @@
               </a:ln>
               <a:extLst>
                 <a:ext uri="{91240B29-F687-4f45-9708-019B960494DF}">
-                  <a14:hiddenLine xmlns:a14="http://schemas.microsoft.com/office/drawing/2010/main" xmlns="" w="9525">
+                  <a14:hiddenLine xmlns="" xmlns:a14="http://schemas.microsoft.com/office/drawing/2010/main" w="9525">
                     <a:solidFill>
                       <a:srgbClr val="000000"/>
                     </a:solidFill>
@@ -9224,7 +9224,7 @@
               </a:ln>
               <a:extLst>
                 <a:ext uri="{91240B29-F687-4f45-9708-019B960494DF}">
-                  <a14:hiddenLine xmlns:a14="http://schemas.microsoft.com/office/drawing/2010/main" xmlns="" w="9525">
+                  <a14:hiddenLine xmlns="" xmlns:a14="http://schemas.microsoft.com/office/drawing/2010/main" w="9525">
                     <a:solidFill>
                       <a:srgbClr val="000000"/>
                     </a:solidFill>
@@ -9314,7 +9314,7 @@
               </a:ln>
               <a:extLst>
                 <a:ext uri="{91240B29-F687-4f45-9708-019B960494DF}">
-                  <a14:hiddenLine xmlns:a14="http://schemas.microsoft.com/office/drawing/2010/main" xmlns="" w="9525">
+                  <a14:hiddenLine xmlns="" xmlns:a14="http://schemas.microsoft.com/office/drawing/2010/main" w="9525">
                     <a:solidFill>
                       <a:srgbClr val="000000"/>
                     </a:solidFill>
@@ -9376,7 +9376,7 @@
               </a:ln>
               <a:extLst>
                 <a:ext uri="{91240B29-F687-4f45-9708-019B960494DF}">
-                  <a14:hiddenLine xmlns:a14="http://schemas.microsoft.com/office/drawing/2010/main" xmlns="" w="9525">
+                  <a14:hiddenLine xmlns="" xmlns:a14="http://schemas.microsoft.com/office/drawing/2010/main" w="9525">
                     <a:solidFill>
                       <a:srgbClr val="000000"/>
                     </a:solidFill>
@@ -9466,7 +9466,7 @@
               </a:ln>
               <a:extLst>
                 <a:ext uri="{91240B29-F687-4f45-9708-019B960494DF}">
-                  <a14:hiddenLine xmlns:a14="http://schemas.microsoft.com/office/drawing/2010/main" xmlns="" w="9525">
+                  <a14:hiddenLine xmlns="" xmlns:a14="http://schemas.microsoft.com/office/drawing/2010/main" w="9525">
                     <a:solidFill>
                       <a:srgbClr val="000000"/>
                     </a:solidFill>
@@ -9528,7 +9528,7 @@
               </a:ln>
               <a:extLst>
                 <a:ext uri="{91240B29-F687-4f45-9708-019B960494DF}">
-                  <a14:hiddenLine xmlns:a14="http://schemas.microsoft.com/office/drawing/2010/main" xmlns="" w="9525">
+                  <a14:hiddenLine xmlns="" xmlns:a14="http://schemas.microsoft.com/office/drawing/2010/main" w="9525">
                     <a:solidFill>
                       <a:srgbClr val="000000"/>
                     </a:solidFill>
@@ -9590,7 +9590,7 @@
               </a:ln>
               <a:extLst>
                 <a:ext uri="{91240B29-F687-4f45-9708-019B960494DF}">
-                  <a14:hiddenLine xmlns:a14="http://schemas.microsoft.com/office/drawing/2010/main" xmlns="" w="9525">
+                  <a14:hiddenLine xmlns="" xmlns:a14="http://schemas.microsoft.com/office/drawing/2010/main" w="9525">
                     <a:solidFill>
                       <a:srgbClr val="000000"/>
                     </a:solidFill>
@@ -9680,7 +9680,7 @@
               </a:ln>
               <a:extLst>
                 <a:ext uri="{91240B29-F687-4f45-9708-019B960494DF}">
-                  <a14:hiddenLine xmlns:a14="http://schemas.microsoft.com/office/drawing/2010/main" xmlns="" w="9525">
+                  <a14:hiddenLine xmlns="" xmlns:a14="http://schemas.microsoft.com/office/drawing/2010/main" w="9525">
                     <a:solidFill>
                       <a:srgbClr val="000000"/>
                     </a:solidFill>
@@ -9770,7 +9770,7 @@
               </a:ln>
               <a:extLst>
                 <a:ext uri="{91240B29-F687-4f45-9708-019B960494DF}">
-                  <a14:hiddenLine xmlns:a14="http://schemas.microsoft.com/office/drawing/2010/main" xmlns="" w="9525">
+                  <a14:hiddenLine xmlns="" xmlns:a14="http://schemas.microsoft.com/office/drawing/2010/main" w="9525">
                     <a:solidFill>
                       <a:srgbClr val="000000"/>
                     </a:solidFill>
@@ -9832,7 +9832,7 @@
               </a:ln>
               <a:extLst>
                 <a:ext uri="{91240B29-F687-4f45-9708-019B960494DF}">
-                  <a14:hiddenLine xmlns:a14="http://schemas.microsoft.com/office/drawing/2010/main" xmlns="" w="9525">
+                  <a14:hiddenLine xmlns="" xmlns:a14="http://schemas.microsoft.com/office/drawing/2010/main" w="9525">
                     <a:solidFill>
                       <a:srgbClr val="000000"/>
                     </a:solidFill>
@@ -9942,7 +9942,7 @@
               </a:ln>
               <a:extLst>
                 <a:ext uri="{91240B29-F687-4f45-9708-019B960494DF}">
-                  <a14:hiddenLine xmlns:a14="http://schemas.microsoft.com/office/drawing/2010/main" xmlns="" w="9525">
+                  <a14:hiddenLine xmlns="" xmlns:a14="http://schemas.microsoft.com/office/drawing/2010/main" w="9525">
                     <a:solidFill>
                       <a:srgbClr val="000000"/>
                     </a:solidFill>
@@ -10026,7 +10026,7 @@
               </a:ln>
               <a:extLst>
                 <a:ext uri="{91240B29-F687-4f45-9708-019B960494DF}">
-                  <a14:hiddenLine xmlns:a14="http://schemas.microsoft.com/office/drawing/2010/main" xmlns="" w="9525">
+                  <a14:hiddenLine xmlns="" xmlns:a14="http://schemas.microsoft.com/office/drawing/2010/main" w="9525">
                     <a:solidFill>
                       <a:srgbClr val="000000"/>
                     </a:solidFill>
@@ -10088,7 +10088,7 @@
               </a:ln>
               <a:extLst>
                 <a:ext uri="{91240B29-F687-4f45-9708-019B960494DF}">
-                  <a14:hiddenLine xmlns:a14="http://schemas.microsoft.com/office/drawing/2010/main" xmlns="" w="9525">
+                  <a14:hiddenLine xmlns="" xmlns:a14="http://schemas.microsoft.com/office/drawing/2010/main" w="9525">
                     <a:solidFill>
                       <a:srgbClr val="000000"/>
                     </a:solidFill>
@@ -10150,7 +10150,7 @@
               </a:ln>
               <a:extLst>
                 <a:ext uri="{91240B29-F687-4f45-9708-019B960494DF}">
-                  <a14:hiddenLine xmlns:a14="http://schemas.microsoft.com/office/drawing/2010/main" xmlns="" w="9525">
+                  <a14:hiddenLine xmlns="" xmlns:a14="http://schemas.microsoft.com/office/drawing/2010/main" w="9525">
                     <a:solidFill>
                       <a:srgbClr val="000000"/>
                     </a:solidFill>
@@ -10240,7 +10240,7 @@
               </a:ln>
               <a:extLst>
                 <a:ext uri="{91240B29-F687-4f45-9708-019B960494DF}">
-                  <a14:hiddenLine xmlns:a14="http://schemas.microsoft.com/office/drawing/2010/main" xmlns="" w="9525">
+                  <a14:hiddenLine xmlns="" xmlns:a14="http://schemas.microsoft.com/office/drawing/2010/main" w="9525">
                     <a:solidFill>
                       <a:srgbClr val="000000"/>
                     </a:solidFill>
@@ -10274,7 +10274,7 @@
               </a:ln>
               <a:extLst>
                 <a:ext uri="{91240B29-F687-4f45-9708-019B960494DF}">
-                  <a14:hiddenLine xmlns:a14="http://schemas.microsoft.com/office/drawing/2010/main" xmlns="" w="9525">
+                  <a14:hiddenLine xmlns="" xmlns:a14="http://schemas.microsoft.com/office/drawing/2010/main" w="9525">
                     <a:solidFill>
                       <a:srgbClr val="000000"/>
                     </a:solidFill>
@@ -10339,7 +10339,7 @@
               </a:ln>
               <a:extLst>
                 <a:ext uri="{91240B29-F687-4f45-9708-019B960494DF}">
-                  <a14:hiddenLine xmlns:a14="http://schemas.microsoft.com/office/drawing/2010/main" xmlns="" w="9525">
+                  <a14:hiddenLine xmlns="" xmlns:a14="http://schemas.microsoft.com/office/drawing/2010/main" w="9525">
                     <a:solidFill>
                       <a:srgbClr val="000000"/>
                     </a:solidFill>
@@ -10429,7 +10429,7 @@
               </a:ln>
               <a:extLst>
                 <a:ext uri="{91240B29-F687-4f45-9708-019B960494DF}">
-                  <a14:hiddenLine xmlns:a14="http://schemas.microsoft.com/office/drawing/2010/main" xmlns="" w="9525">
+                  <a14:hiddenLine xmlns="" xmlns:a14="http://schemas.microsoft.com/office/drawing/2010/main" w="9525">
                     <a:solidFill>
                       <a:srgbClr val="000000"/>
                     </a:solidFill>
@@ -10491,7 +10491,7 @@
               </a:ln>
               <a:extLst>
                 <a:ext uri="{91240B29-F687-4f45-9708-019B960494DF}">
-                  <a14:hiddenLine xmlns:a14="http://schemas.microsoft.com/office/drawing/2010/main" xmlns="" w="9525">
+                  <a14:hiddenLine xmlns="" xmlns:a14="http://schemas.microsoft.com/office/drawing/2010/main" w="9525">
                     <a:solidFill>
                       <a:srgbClr val="000000"/>
                     </a:solidFill>
@@ -10581,7 +10581,7 @@
               </a:ln>
               <a:extLst>
                 <a:ext uri="{91240B29-F687-4f45-9708-019B960494DF}">
-                  <a14:hiddenLine xmlns:a14="http://schemas.microsoft.com/office/drawing/2010/main" xmlns="" w="9525">
+                  <a14:hiddenLine xmlns="" xmlns:a14="http://schemas.microsoft.com/office/drawing/2010/main" w="9525">
                     <a:solidFill>
                       <a:srgbClr val="000000"/>
                     </a:solidFill>
@@ -10646,7 +10646,7 @@
               </a:ln>
               <a:extLst>
                 <a:ext uri="{91240B29-F687-4f45-9708-019B960494DF}">
-                  <a14:hiddenLine xmlns:a14="http://schemas.microsoft.com/office/drawing/2010/main" xmlns="" w="9525">
+                  <a14:hiddenLine xmlns="" xmlns:a14="http://schemas.microsoft.com/office/drawing/2010/main" w="9525">
                     <a:solidFill>
                       <a:srgbClr val="000000"/>
                     </a:solidFill>
@@ -10708,7 +10708,7 @@
               </a:ln>
               <a:extLst>
                 <a:ext uri="{91240B29-F687-4f45-9708-019B960494DF}">
-                  <a14:hiddenLine xmlns:a14="http://schemas.microsoft.com/office/drawing/2010/main" xmlns="" w="9525">
+                  <a14:hiddenLine xmlns="" xmlns:a14="http://schemas.microsoft.com/office/drawing/2010/main" w="9525">
                     <a:solidFill>
                       <a:srgbClr val="000000"/>
                     </a:solidFill>
@@ -10798,7 +10798,7 @@
               </a:ln>
               <a:extLst>
                 <a:ext uri="{91240B29-F687-4f45-9708-019B960494DF}">
-                  <a14:hiddenLine xmlns:a14="http://schemas.microsoft.com/office/drawing/2010/main" xmlns="" w="9525">
+                  <a14:hiddenLine xmlns="" xmlns:a14="http://schemas.microsoft.com/office/drawing/2010/main" w="9525">
                     <a:solidFill>
                       <a:srgbClr val="000000"/>
                     </a:solidFill>
@@ -10888,7 +10888,7 @@
               </a:ln>
               <a:extLst>
                 <a:ext uri="{91240B29-F687-4f45-9708-019B960494DF}">
-                  <a14:hiddenLine xmlns:a14="http://schemas.microsoft.com/office/drawing/2010/main" xmlns="" w="9525">
+                  <a14:hiddenLine xmlns="" xmlns:a14="http://schemas.microsoft.com/office/drawing/2010/main" w="9525">
                     <a:solidFill>
                       <a:srgbClr val="000000"/>
                     </a:solidFill>
@@ -10953,7 +10953,7 @@
               </a:ln>
               <a:extLst>
                 <a:ext uri="{91240B29-F687-4f45-9708-019B960494DF}">
-                  <a14:hiddenLine xmlns:a14="http://schemas.microsoft.com/office/drawing/2010/main" xmlns="" w="9525">
+                  <a14:hiddenLine xmlns="" xmlns:a14="http://schemas.microsoft.com/office/drawing/2010/main" w="9525">
                     <a:solidFill>
                       <a:srgbClr val="000000"/>
                     </a:solidFill>
@@ -11073,7 +11073,7 @@
               </a:ln>
               <a:extLst>
                 <a:ext uri="{91240B29-F687-4f45-9708-019B960494DF}">
-                  <a14:hiddenLine xmlns:a14="http://schemas.microsoft.com/office/drawing/2010/main" xmlns="" w="9525">
+                  <a14:hiddenLine xmlns="" xmlns:a14="http://schemas.microsoft.com/office/drawing/2010/main" w="9525">
                     <a:solidFill>
                       <a:srgbClr val="000000"/>
                     </a:solidFill>
@@ -11171,7 +11171,7 @@
               </a:ln>
               <a:extLst>
                 <a:ext uri="{91240B29-F687-4f45-9708-019B960494DF}">
-                  <a14:hiddenLine xmlns:a14="http://schemas.microsoft.com/office/drawing/2010/main" xmlns="" w="9525">
+                  <a14:hiddenLine xmlns="" xmlns:a14="http://schemas.microsoft.com/office/drawing/2010/main" w="9525">
                     <a:solidFill>
                       <a:srgbClr val="000000"/>
                     </a:solidFill>
@@ -11286,7 +11286,7 @@
               </a:ln>
               <a:extLst>
                 <a:ext uri="{91240B29-F687-4f45-9708-019B960494DF}">
-                  <a14:hiddenLine xmlns:a14="http://schemas.microsoft.com/office/drawing/2010/main" xmlns="" w="9525">
+                  <a14:hiddenLine xmlns="" xmlns:a14="http://schemas.microsoft.com/office/drawing/2010/main" w="9525">
                     <a:solidFill>
                       <a:srgbClr val="000000"/>
                     </a:solidFill>
@@ -11376,7 +11376,7 @@
               </a:ln>
               <a:extLst>
                 <a:ext uri="{91240B29-F687-4f45-9708-019B960494DF}">
-                  <a14:hiddenLine xmlns:a14="http://schemas.microsoft.com/office/drawing/2010/main" xmlns="" w="9525">
+                  <a14:hiddenLine xmlns="" xmlns:a14="http://schemas.microsoft.com/office/drawing/2010/main" w="9525">
                     <a:solidFill>
                       <a:srgbClr val="000000"/>
                     </a:solidFill>
@@ -11441,7 +11441,7 @@
               </a:ln>
               <a:extLst>
                 <a:ext uri="{91240B29-F687-4f45-9708-019B960494DF}">
-                  <a14:hiddenLine xmlns:a14="http://schemas.microsoft.com/office/drawing/2010/main" xmlns="" w="9525">
+                  <a14:hiddenLine xmlns="" xmlns:a14="http://schemas.microsoft.com/office/drawing/2010/main" w="9525">
                     <a:solidFill>
                       <a:srgbClr val="000000"/>
                     </a:solidFill>
@@ -11531,7 +11531,7 @@
               </a:ln>
               <a:extLst>
                 <a:ext uri="{91240B29-F687-4f45-9708-019B960494DF}">
-                  <a14:hiddenLine xmlns:a14="http://schemas.microsoft.com/office/drawing/2010/main" xmlns="" w="9525">
+                  <a14:hiddenLine xmlns="" xmlns:a14="http://schemas.microsoft.com/office/drawing/2010/main" w="9525">
                     <a:solidFill>
                       <a:srgbClr val="000000"/>
                     </a:solidFill>
@@ -11599,7 +11599,7 @@
               </a:ln>
               <a:extLst>
                 <a:ext uri="{91240B29-F687-4f45-9708-019B960494DF}">
-                  <a14:hiddenLine xmlns:a14="http://schemas.microsoft.com/office/drawing/2010/main" xmlns="" w="9525">
+                  <a14:hiddenLine xmlns="" xmlns:a14="http://schemas.microsoft.com/office/drawing/2010/main" w="9525">
                     <a:solidFill>
                       <a:srgbClr val="000000"/>
                     </a:solidFill>
@@ -11689,7 +11689,7 @@
               </a:ln>
               <a:extLst>
                 <a:ext uri="{91240B29-F687-4f45-9708-019B960494DF}">
-                  <a14:hiddenLine xmlns:a14="http://schemas.microsoft.com/office/drawing/2010/main" xmlns="" w="9525">
+                  <a14:hiddenLine xmlns="" xmlns:a14="http://schemas.microsoft.com/office/drawing/2010/main" w="9525">
                     <a:solidFill>
                       <a:srgbClr val="000000"/>
                     </a:solidFill>
@@ -11757,7 +11757,7 @@
               </a:ln>
               <a:extLst>
                 <a:ext uri="{91240B29-F687-4f45-9708-019B960494DF}">
-                  <a14:hiddenLine xmlns:a14="http://schemas.microsoft.com/office/drawing/2010/main" xmlns="" w="9525">
+                  <a14:hiddenLine xmlns="" xmlns:a14="http://schemas.microsoft.com/office/drawing/2010/main" w="9525">
                     <a:solidFill>
                       <a:srgbClr val="000000"/>
                     </a:solidFill>
@@ -11847,7 +11847,7 @@
               </a:ln>
               <a:extLst>
                 <a:ext uri="{91240B29-F687-4f45-9708-019B960494DF}">
-                  <a14:hiddenLine xmlns:a14="http://schemas.microsoft.com/office/drawing/2010/main" xmlns="" w="9525">
+                  <a14:hiddenLine xmlns="" xmlns:a14="http://schemas.microsoft.com/office/drawing/2010/main" w="9525">
                     <a:solidFill>
                       <a:srgbClr val="000000"/>
                     </a:solidFill>
@@ -11881,7 +11881,7 @@
               </a:ln>
               <a:extLst>
                 <a:ext uri="{91240B29-F687-4f45-9708-019B960494DF}">
-                  <a14:hiddenLine xmlns:a14="http://schemas.microsoft.com/office/drawing/2010/main" xmlns="" w="9525">
+                  <a14:hiddenLine xmlns="" xmlns:a14="http://schemas.microsoft.com/office/drawing/2010/main" w="9525">
                     <a:solidFill>
                       <a:srgbClr val="000000"/>
                     </a:solidFill>
@@ -12021,7 +12021,7 @@
           <a:p>
             <a:fld id="{FDE3D044-1237-4B20-A92B-AA12A697B7CD}" type="datetimeFigureOut">
               <a:rPr lang="es-MX" smtClean="0"/>
-              <a:t>13/12/2025</a:t>
+              <a:t>14/12/2025</a:t>
             </a:fld>
             <a:endParaRPr lang="es-MX"/>
           </a:p>
@@ -12456,7 +12456,7 @@
         <p:spPr>
           <a:xfrm>
             <a:off x="3073400" y="863472"/>
-            <a:ext cx="6045200" cy="5504327"/>
+            <a:ext cx="5834259" cy="5504327"/>
           </a:xfrm>
           <a:prstGeom prst="rect">
             <a:avLst/>
@@ -13231,7 +13231,7 @@
                 <a:cs typeface="Glacial Indifference"/>
                 <a:sym typeface="Glacial Indifference"/>
               </a:rPr>
-              <a:t>, Chiapas. A 13 de </a:t>
+              <a:t>, Chiapas. A 14 de </a:t>
             </a:r>
             <a:r>
               <a:rPr lang="en-US" sz="1200" b="1" dirty="0" err="1">
@@ -13429,223 +13429,6 @@
 </p:sld>
 </file>
 
-<file path=ppt/slides/slide10.xml><?xml version="1.0" encoding="utf-8"?>
-<p:sld xmlns:a="http://schemas.openxmlformats.org/drawingml/2006/main" xmlns:r="http://schemas.openxmlformats.org/officeDocument/2006/relationships" xmlns:p="http://schemas.openxmlformats.org/presentationml/2006/main">
-  <p:cSld>
-    <p:spTree>
-      <p:nvGrpSpPr>
-        <p:cNvPr id="1" name=""/>
-        <p:cNvGrpSpPr/>
-        <p:nvPr/>
-      </p:nvGrpSpPr>
-      <p:grpSpPr>
-        <a:xfrm>
-          <a:off x="0" y="0"/>
-          <a:ext cx="0" cy="0"/>
-          <a:chOff x="0" y="0"/>
-          <a:chExt cx="0" cy="0"/>
-        </a:xfrm>
-      </p:grpSpPr>
-      <p:sp>
-        <p:nvSpPr>
-          <p:cNvPr id="2" name="Título 1">
-            <a:extLst>
-              <a:ext uri="{FF2B5EF4-FFF2-40B4-BE49-F238E27FC236}">
-                <a16:creationId xmlns:a16="http://schemas.microsoft.com/office/drawing/2014/main" id="{5AA58264-A0EF-CCE2-F5BC-B6728A92912A}"/>
-              </a:ext>
-            </a:extLst>
-          </p:cNvPr>
-          <p:cNvSpPr>
-            <a:spLocks noGrp="1"/>
-          </p:cNvSpPr>
-          <p:nvPr>
-            <p:ph type="title"/>
-          </p:nvPr>
-        </p:nvSpPr>
-        <p:spPr/>
-        <p:txBody>
-          <a:bodyPr/>
-          <a:lstStyle/>
-          <a:p>
-            <a:r>
-              <a:rPr lang="es-MX" dirty="0"/>
-              <a:t>Conclusión </a:t>
-            </a:r>
-          </a:p>
-        </p:txBody>
-      </p:sp>
-      <p:sp>
-        <p:nvSpPr>
-          <p:cNvPr id="3" name="Marcador de contenido 2">
-            <a:extLst>
-              <a:ext uri="{FF2B5EF4-FFF2-40B4-BE49-F238E27FC236}">
-                <a16:creationId xmlns:a16="http://schemas.microsoft.com/office/drawing/2014/main" id="{B816DBD9-BB96-D3CD-75D8-A0475A5D5BCC}"/>
-              </a:ext>
-            </a:extLst>
-          </p:cNvPr>
-          <p:cNvSpPr>
-            <a:spLocks noGrp="1"/>
-          </p:cNvSpPr>
-          <p:nvPr>
-            <p:ph idx="1"/>
-          </p:nvPr>
-        </p:nvSpPr>
-        <p:spPr/>
-        <p:txBody>
-          <a:bodyPr/>
-          <a:lstStyle/>
-          <a:p>
-            <a:pPr marL="0" indent="0" algn="just">
-              <a:buNone/>
-            </a:pPr>
-            <a:r>
-              <a:rPr lang="es-MX" dirty="0"/>
-              <a:t>El desarrollo de esta aplicación permite comparar y analizar tres métodos fundamentales de búsqueda, destacando sus características y eficiencia según la estructura y el tamaño de los datos. La implementación en </a:t>
-            </a:r>
-            <a:r>
-              <a:rPr lang="es-MX" dirty="0" err="1"/>
-              <a:t>JavaFX</a:t>
-            </a:r>
-            <a:r>
-              <a:rPr lang="es-MX" dirty="0"/>
-              <a:t> añade valor educativo, mostrando los resultados de manera interactiva y clara. Este proyecto no solo refuerza los conceptos teóricos sobre algoritmos de búsqueda, sino que también ofrece una base práctica para aplicaciones futuras que requieran manipulación eficiente de datos y visualización de procesos.</a:t>
-            </a:r>
-          </a:p>
-        </p:txBody>
-      </p:sp>
-    </p:spTree>
-    <p:extLst>
-      <p:ext uri="{BB962C8B-B14F-4D97-AF65-F5344CB8AC3E}">
-        <p14:creationId xmlns:p14="http://schemas.microsoft.com/office/powerpoint/2010/main" val="2369779247"/>
-      </p:ext>
-    </p:extLst>
-  </p:cSld>
-  <p:clrMapOvr>
-    <a:masterClrMapping/>
-  </p:clrMapOvr>
-</p:sld>
-</file>
-
-<file path=ppt/slides/slide11.xml><?xml version="1.0" encoding="utf-8"?>
-<p:sld xmlns:a="http://schemas.openxmlformats.org/drawingml/2006/main" xmlns:r="http://schemas.openxmlformats.org/officeDocument/2006/relationships" xmlns:p="http://schemas.openxmlformats.org/presentationml/2006/main">
-  <p:cSld>
-    <p:spTree>
-      <p:nvGrpSpPr>
-        <p:cNvPr id="1" name=""/>
-        <p:cNvGrpSpPr/>
-        <p:nvPr/>
-      </p:nvGrpSpPr>
-      <p:grpSpPr>
-        <a:xfrm>
-          <a:off x="0" y="0"/>
-          <a:ext cx="0" cy="0"/>
-          <a:chOff x="0" y="0"/>
-          <a:chExt cx="0" cy="0"/>
-        </a:xfrm>
-      </p:grpSpPr>
-      <p:sp>
-        <p:nvSpPr>
-          <p:cNvPr id="2" name="Título 1">
-            <a:extLst>
-              <a:ext uri="{FF2B5EF4-FFF2-40B4-BE49-F238E27FC236}">
-                <a16:creationId xmlns:a16="http://schemas.microsoft.com/office/drawing/2014/main" id="{504EB17F-5F1B-E3BE-611B-7CB537DD94A8}"/>
-              </a:ext>
-            </a:extLst>
-          </p:cNvPr>
-          <p:cNvSpPr>
-            <a:spLocks noGrp="1"/>
-          </p:cNvSpPr>
-          <p:nvPr>
-            <p:ph type="title"/>
-          </p:nvPr>
-        </p:nvSpPr>
-        <p:spPr/>
-        <p:txBody>
-          <a:bodyPr/>
-          <a:lstStyle/>
-          <a:p>
-            <a:r>
-              <a:rPr lang="es-MX" dirty="0"/>
-              <a:t>Anexo link de los ejercicios </a:t>
-            </a:r>
-            <a:r>
-              <a:rPr lang="es-MX" dirty="0" err="1"/>
-              <a:t>solicidados</a:t>
-            </a:r>
-            <a:r>
-              <a:rPr lang="es-MX" dirty="0"/>
-              <a:t> elaborados en </a:t>
-            </a:r>
-            <a:r>
-              <a:rPr lang="es-MX" dirty="0" err="1"/>
-              <a:t>intelji</a:t>
-            </a:r>
-            <a:r>
-              <a:rPr lang="es-MX" dirty="0"/>
-              <a:t> y enviados a </a:t>
-            </a:r>
-            <a:r>
-              <a:rPr lang="es-MX" dirty="0" err="1"/>
-              <a:t>github</a:t>
-            </a:r>
-            <a:r>
-              <a:rPr lang="es-MX" dirty="0"/>
-              <a:t>:</a:t>
-            </a:r>
-          </a:p>
-        </p:txBody>
-      </p:sp>
-      <p:sp>
-        <p:nvSpPr>
-          <p:cNvPr id="3" name="Marcador de contenido 2">
-            <a:extLst>
-              <a:ext uri="{FF2B5EF4-FFF2-40B4-BE49-F238E27FC236}">
-                <a16:creationId xmlns:a16="http://schemas.microsoft.com/office/drawing/2014/main" id="{4F9C5653-111E-B038-BE6C-332D115B63E8}"/>
-              </a:ext>
-            </a:extLst>
-          </p:cNvPr>
-          <p:cNvSpPr>
-            <a:spLocks noGrp="1"/>
-          </p:cNvSpPr>
-          <p:nvPr>
-            <p:ph idx="1"/>
-          </p:nvPr>
-        </p:nvSpPr>
-        <p:spPr>
-          <a:xfrm>
-            <a:off x="1141412" y="2249487"/>
-            <a:ext cx="9905999" cy="1017695"/>
-          </a:xfrm>
-        </p:spPr>
-        <p:txBody>
-          <a:bodyPr/>
-          <a:lstStyle/>
-          <a:p>
-            <a:pPr marL="0" indent="0">
-              <a:buNone/>
-            </a:pPr>
-            <a:r>
-              <a:rPr lang="es-MX" dirty="0">
-                <a:hlinkClick r:id="rId2"/>
-              </a:rPr>
-              <a:t>https://github.com/Cynthia21Morales/EstructuraDeDatos_CynthiaJasmineMT/tree/main/ED-Tema-6/Codigos-Metodos-de-Busqueda</a:t>
-            </a:r>
-          </a:p>
-        </p:txBody>
-      </p:sp>
-    </p:spTree>
-    <p:extLst>
-      <p:ext uri="{BB962C8B-B14F-4D97-AF65-F5344CB8AC3E}">
-        <p14:creationId xmlns:p14="http://schemas.microsoft.com/office/powerpoint/2010/main" val="4130313326"/>
-      </p:ext>
-    </p:extLst>
-  </p:cSld>
-  <p:clrMapOvr>
-    <a:masterClrMapping/>
-  </p:clrMapOvr>
-</p:sld>
-</file>
-
 <file path=ppt/slides/slide2.xml><?xml version="1.0" encoding="utf-8"?>
 <p:sld xmlns:a="http://schemas.openxmlformats.org/drawingml/2006/main" xmlns:r="http://schemas.openxmlformats.org/officeDocument/2006/relationships" xmlns:p="http://schemas.openxmlformats.org/presentationml/2006/main">
   <p:cSld>
@@ -13964,7 +13747,7 @@
           <p:cNvPr id="2" name="Título 1">
             <a:extLst>
               <a:ext uri="{FF2B5EF4-FFF2-40B4-BE49-F238E27FC236}">
-                <a16:creationId xmlns:a16="http://schemas.microsoft.com/office/drawing/2014/main" id="{77CCDE1C-8BB1-ECBC-57D2-9EB0782C1FCE}"/>
+                <a16:creationId xmlns:a16="http://schemas.microsoft.com/office/drawing/2014/main" id="{D9C93EA1-CEBB-5637-C780-3F1013AF7F3A}"/>
               </a:ext>
             </a:extLst>
           </p:cNvPr>
@@ -13982,17 +13765,17 @@
           <a:p>
             <a:r>
               <a:rPr lang="es-MX" dirty="0"/>
-              <a:t>Búsqueda secuencial </a:t>
+              <a:t>Métodos de búsqueda</a:t>
             </a:r>
           </a:p>
         </p:txBody>
       </p:sp>
       <p:pic>
         <p:nvPicPr>
-          <p:cNvPr id="7" name="Marcador de contenido 6">
+          <p:cNvPr id="5" name="Marcador de contenido 4">
             <a:extLst>
               <a:ext uri="{FF2B5EF4-FFF2-40B4-BE49-F238E27FC236}">
-                <a16:creationId xmlns:a16="http://schemas.microsoft.com/office/drawing/2014/main" id="{68B02892-785C-6693-3E3C-CFCE8E31C367}"/>
+                <a16:creationId xmlns:a16="http://schemas.microsoft.com/office/drawing/2014/main" id="{1C4995B4-251F-60C0-F500-EEE3DC837614}"/>
               </a:ext>
             </a:extLst>
           </p:cNvPr>
@@ -14011,102 +13794,45 @@
         </p:blipFill>
         <p:spPr>
           <a:xfrm>
-            <a:off x="838200" y="1815351"/>
-            <a:ext cx="5492537" cy="4351338"/>
+            <a:off x="7723909" y="2194336"/>
+            <a:ext cx="3323502" cy="3541712"/>
           </a:xfrm>
         </p:spPr>
       </p:pic>
-      <p:sp>
-        <p:nvSpPr>
-          <p:cNvPr id="9" name="CuadroTexto 8">
+      <p:pic>
+        <p:nvPicPr>
+          <p:cNvPr id="7" name="Imagen 6">
             <a:extLst>
               <a:ext uri="{FF2B5EF4-FFF2-40B4-BE49-F238E27FC236}">
-                <a16:creationId xmlns:a16="http://schemas.microsoft.com/office/drawing/2014/main" id="{27F03E73-DC5A-19C7-A439-F235711ECDBC}"/>
+                <a16:creationId xmlns:a16="http://schemas.microsoft.com/office/drawing/2014/main" id="{E319281E-509C-BEE6-47C7-8EC6D7199439}"/>
               </a:ext>
             </a:extLst>
           </p:cNvPr>
-          <p:cNvSpPr txBox="1"/>
+          <p:cNvPicPr>
+            <a:picLocks noChangeAspect="1"/>
+          </p:cNvPicPr>
           <p:nvPr/>
-        </p:nvSpPr>
+        </p:nvPicPr>
+        <p:blipFill>
+          <a:blip r:embed="rId3"/>
+          <a:stretch>
+            <a:fillRect/>
+          </a:stretch>
+        </p:blipFill>
         <p:spPr>
           <a:xfrm>
-            <a:off x="6330737" y="1608779"/>
-            <a:ext cx="6097712" cy="1200329"/>
+            <a:off x="1006867" y="2194336"/>
+            <a:ext cx="6609908" cy="3583870"/>
           </a:xfrm>
           <a:prstGeom prst="rect">
             <a:avLst/>
           </a:prstGeom>
-          <a:noFill/>
         </p:spPr>
-        <p:txBody>
-          <a:bodyPr wrap="square">
-            <a:spAutoFit/>
-          </a:bodyPr>
-          <a:lstStyle/>
-          <a:p>
-            <a:r>
-              <a:rPr lang="es-MX" dirty="0"/>
-              <a:t>El código tiene como objetivo </a:t>
-            </a:r>
-            <a:r>
-              <a:rPr lang="es-MX" b="1" dirty="0"/>
-              <a:t>permitir al usuario buscar un número dentro de un conjunto de datos</a:t>
-            </a:r>
-            <a:r>
-              <a:rPr lang="es-MX" dirty="0"/>
-              <a:t> de manera visual y sencilla usando una interfaz gráfica. La búsqueda se realiza mediante el </a:t>
-            </a:r>
-            <a:r>
-              <a:rPr lang="es-MX" b="1" dirty="0"/>
-              <a:t>método de búsqueda secuencial</a:t>
-            </a:r>
-            <a:endParaRPr lang="es-MX" dirty="0"/>
-          </a:p>
-        </p:txBody>
-      </p:sp>
-      <p:sp>
-        <p:nvSpPr>
-          <p:cNvPr id="11" name="CuadroTexto 10">
-            <a:extLst>
-              <a:ext uri="{FF2B5EF4-FFF2-40B4-BE49-F238E27FC236}">
-                <a16:creationId xmlns:a16="http://schemas.microsoft.com/office/drawing/2014/main" id="{E53086A2-EB3F-2F83-6F7E-AADAA65D1866}"/>
-              </a:ext>
-            </a:extLst>
-          </p:cNvPr>
-          <p:cNvSpPr txBox="1"/>
-          <p:nvPr/>
-        </p:nvSpPr>
-        <p:spPr>
-          <a:xfrm>
-            <a:off x="6529228" y="3781562"/>
-            <a:ext cx="5492537" cy="923330"/>
-          </a:xfrm>
-          <a:prstGeom prst="rect">
-            <a:avLst/>
-          </a:prstGeom>
-          <a:noFill/>
-        </p:spPr>
-        <p:txBody>
-          <a:bodyPr wrap="square">
-            <a:spAutoFit/>
-          </a:bodyPr>
-          <a:lstStyle/>
-          <a:p>
-            <a:r>
-              <a:rPr lang="es-MX" b="1" dirty="0"/>
-              <a:t>este código sirve para enseñar y practicar la búsqueda secuencial, mostrando de forma visual si un número existe en un arreglo y en qué posición se encuentra</a:t>
-            </a:r>
-            <a:r>
-              <a:rPr lang="es-MX" dirty="0"/>
-              <a:t>.</a:t>
-            </a:r>
-          </a:p>
-        </p:txBody>
-      </p:sp>
+      </p:pic>
     </p:spTree>
     <p:extLst>
       <p:ext uri="{BB962C8B-B14F-4D97-AF65-F5344CB8AC3E}">
-        <p14:creationId xmlns:p14="http://schemas.microsoft.com/office/powerpoint/2010/main" val="1895476284"/>
+        <p14:creationId xmlns:p14="http://schemas.microsoft.com/office/powerpoint/2010/main" val="2974261535"/>
       </p:ext>
     </p:extLst>
   </p:cSld>
@@ -14138,7 +13864,7 @@
           <p:cNvPr id="2" name="Título 1">
             <a:extLst>
               <a:ext uri="{FF2B5EF4-FFF2-40B4-BE49-F238E27FC236}">
-                <a16:creationId xmlns:a16="http://schemas.microsoft.com/office/drawing/2014/main" id="{533BD3BB-C941-E7CC-F4D3-CAF01C6AA771}"/>
+                <a16:creationId xmlns:a16="http://schemas.microsoft.com/office/drawing/2014/main" id="{5AA58264-A0EF-CCE2-F5BC-B6728A92912A}"/>
               </a:ext>
             </a:extLst>
           </p:cNvPr>
@@ -14156,74 +13882,54 @@
           <a:p>
             <a:r>
               <a:rPr lang="es-MX" dirty="0"/>
-              <a:t>Resultado </a:t>
+              <a:t>Conclusión </a:t>
             </a:r>
           </a:p>
         </p:txBody>
       </p:sp>
-      <p:pic>
-        <p:nvPicPr>
-          <p:cNvPr id="5" name="Marcador de contenido 4">
+      <p:sp>
+        <p:nvSpPr>
+          <p:cNvPr id="3" name="Marcador de contenido 2">
             <a:extLst>
               <a:ext uri="{FF2B5EF4-FFF2-40B4-BE49-F238E27FC236}">
-                <a16:creationId xmlns:a16="http://schemas.microsoft.com/office/drawing/2014/main" id="{51233A97-3E19-EE20-9729-5B9A295974E7}"/>
+                <a16:creationId xmlns:a16="http://schemas.microsoft.com/office/drawing/2014/main" id="{B816DBD9-BB96-D3CD-75D8-A0475A5D5BCC}"/>
               </a:ext>
             </a:extLst>
           </p:cNvPr>
-          <p:cNvPicPr>
-            <a:picLocks noGrp="1" noChangeAspect="1"/>
-          </p:cNvPicPr>
+          <p:cNvSpPr>
+            <a:spLocks noGrp="1"/>
+          </p:cNvSpPr>
           <p:nvPr>
             <p:ph idx="1"/>
           </p:nvPr>
-        </p:nvPicPr>
-        <p:blipFill>
-          <a:blip r:embed="rId2"/>
-          <a:stretch>
-            <a:fillRect/>
-          </a:stretch>
-        </p:blipFill>
-        <p:spPr>
-          <a:xfrm>
-            <a:off x="444803" y="1724875"/>
-            <a:ext cx="6418334" cy="3576348"/>
-          </a:xfrm>
-        </p:spPr>
-      </p:pic>
-      <p:pic>
-        <p:nvPicPr>
-          <p:cNvPr id="7" name="Imagen 6">
-            <a:extLst>
-              <a:ext uri="{FF2B5EF4-FFF2-40B4-BE49-F238E27FC236}">
-                <a16:creationId xmlns:a16="http://schemas.microsoft.com/office/drawing/2014/main" id="{33208643-1CAA-9D6F-F426-2066C32D7FDB}"/>
-              </a:ext>
-            </a:extLst>
-          </p:cNvPr>
-          <p:cNvPicPr>
-            <a:picLocks noChangeAspect="1"/>
-          </p:cNvPicPr>
-          <p:nvPr/>
-        </p:nvPicPr>
-        <p:blipFill>
-          <a:blip r:embed="rId3"/>
-          <a:stretch>
-            <a:fillRect/>
-          </a:stretch>
-        </p:blipFill>
-        <p:spPr>
-          <a:xfrm>
-            <a:off x="7085840" y="1727463"/>
-            <a:ext cx="4895407" cy="3163036"/>
-          </a:xfrm>
-          <a:prstGeom prst="rect">
-            <a:avLst/>
-          </a:prstGeom>
-        </p:spPr>
-      </p:pic>
+        </p:nvSpPr>
+        <p:spPr/>
+        <p:txBody>
+          <a:bodyPr/>
+          <a:lstStyle/>
+          <a:p>
+            <a:pPr marL="0" indent="0" algn="just">
+              <a:buNone/>
+            </a:pPr>
+            <a:r>
+              <a:rPr lang="es-MX" dirty="0"/>
+              <a:t>El desarrollo de esta aplicación permite comparar y analizar tres métodos fundamentales de búsqueda, destacando sus características y eficiencia según la estructura y el tamaño de los datos. La implementación en </a:t>
+            </a:r>
+            <a:r>
+              <a:rPr lang="es-MX" dirty="0" err="1"/>
+              <a:t>JavaFX</a:t>
+            </a:r>
+            <a:r>
+              <a:rPr lang="es-MX" dirty="0"/>
+              <a:t> añade valor educativo, mostrando los resultados de manera interactiva y clara. Este proyecto no solo refuerza los conceptos teóricos sobre algoritmos de búsqueda, sino que también ofrece una base práctica para aplicaciones futuras que requieran manipulación eficiente de datos y visualización de procesos.</a:t>
+            </a:r>
+          </a:p>
+        </p:txBody>
+      </p:sp>
     </p:spTree>
     <p:extLst>
       <p:ext uri="{BB962C8B-B14F-4D97-AF65-F5344CB8AC3E}">
-        <p14:creationId xmlns:p14="http://schemas.microsoft.com/office/powerpoint/2010/main" val="387342428"/>
+        <p14:creationId xmlns:p14="http://schemas.microsoft.com/office/powerpoint/2010/main" val="2369779247"/>
       </p:ext>
     </p:extLst>
   </p:cSld>
@@ -14255,7 +13961,7 @@
           <p:cNvPr id="2" name="Título 1">
             <a:extLst>
               <a:ext uri="{FF2B5EF4-FFF2-40B4-BE49-F238E27FC236}">
-                <a16:creationId xmlns:a16="http://schemas.microsoft.com/office/drawing/2014/main" id="{26C9D4B3-4271-5220-84A4-3DB3168F16DD}"/>
+                <a16:creationId xmlns:a16="http://schemas.microsoft.com/office/drawing/2014/main" id="{504EB17F-5F1B-E3BE-611B-7CB537DD94A8}"/>
               </a:ext>
             </a:extLst>
           </p:cNvPr>
@@ -14273,119 +13979,41 @@
           <a:p>
             <a:r>
               <a:rPr lang="es-MX" dirty="0"/>
-              <a:t>Búsqueda binaria</a:t>
+              <a:t>Anexo link de los ejercicios </a:t>
+            </a:r>
+            <a:r>
+              <a:rPr lang="es-MX" dirty="0" err="1"/>
+              <a:t>solicidados</a:t>
+            </a:r>
+            <a:r>
+              <a:rPr lang="es-MX" dirty="0"/>
+              <a:t> elaborados en </a:t>
+            </a:r>
+            <a:r>
+              <a:rPr lang="es-MX" dirty="0" err="1"/>
+              <a:t>intelji</a:t>
+            </a:r>
+            <a:r>
+              <a:rPr lang="es-MX" dirty="0"/>
+              <a:t> y enviados a </a:t>
+            </a:r>
+            <a:r>
+              <a:rPr lang="es-MX" dirty="0" err="1"/>
+              <a:t>github</a:t>
+            </a:r>
+            <a:r>
+              <a:rPr lang="es-MX" dirty="0"/>
+              <a:t>:</a:t>
             </a:r>
           </a:p>
         </p:txBody>
       </p:sp>
-      <p:pic>
-        <p:nvPicPr>
+      <p:sp>
+        <p:nvSpPr>
           <p:cNvPr id="5" name="Marcador de contenido 4">
             <a:extLst>
               <a:ext uri="{FF2B5EF4-FFF2-40B4-BE49-F238E27FC236}">
-                <a16:creationId xmlns:a16="http://schemas.microsoft.com/office/drawing/2014/main" id="{5BC79D1C-638A-6B3D-5009-6CCC00C88404}"/>
-              </a:ext>
-            </a:extLst>
-          </p:cNvPr>
-          <p:cNvPicPr>
-            <a:picLocks noGrp="1" noChangeAspect="1"/>
-          </p:cNvPicPr>
-          <p:nvPr>
-            <p:ph idx="1"/>
-          </p:nvPr>
-        </p:nvPicPr>
-        <p:blipFill>
-          <a:blip r:embed="rId2"/>
-          <a:stretch>
-            <a:fillRect/>
-          </a:stretch>
-        </p:blipFill>
-        <p:spPr>
-          <a:xfrm>
-            <a:off x="997925" y="1746054"/>
-            <a:ext cx="4149427" cy="4896958"/>
-          </a:xfrm>
-        </p:spPr>
-      </p:pic>
-      <p:sp>
-        <p:nvSpPr>
-          <p:cNvPr id="7" name="CuadroTexto 6">
-            <a:extLst>
-              <a:ext uri="{FF2B5EF4-FFF2-40B4-BE49-F238E27FC236}">
-                <a16:creationId xmlns:a16="http://schemas.microsoft.com/office/drawing/2014/main" id="{3EF5A249-E041-06AC-7150-BAB38BC1B91F}"/>
-              </a:ext>
-            </a:extLst>
-          </p:cNvPr>
-          <p:cNvSpPr txBox="1"/>
-          <p:nvPr/>
-        </p:nvSpPr>
-        <p:spPr>
-          <a:xfrm>
-            <a:off x="5424755" y="2436050"/>
-            <a:ext cx="6102848" cy="1477328"/>
-          </a:xfrm>
-          <a:prstGeom prst="rect">
-            <a:avLst/>
-          </a:prstGeom>
-          <a:noFill/>
-        </p:spPr>
-        <p:txBody>
-          <a:bodyPr wrap="square">
-            <a:spAutoFit/>
-          </a:bodyPr>
-          <a:lstStyle/>
-          <a:p>
-            <a:r>
-              <a:rPr lang="es-MX" dirty="0"/>
-              <a:t>El </a:t>
-            </a:r>
-            <a:r>
-              <a:rPr lang="es-MX" b="1" dirty="0"/>
-              <a:t>algoritmo de búsqueda binaria</a:t>
-            </a:r>
-            <a:r>
-              <a:rPr lang="es-MX" dirty="0"/>
-              <a:t> divide repetidamente el arreglo en mitades, comparando la clave con el elemento central hasta encontrarlo o determinar que no está presente. Esto hace que la búsqueda sea mucho más rápida que recorrer todos los elementos uno por uno.</a:t>
-            </a:r>
-          </a:p>
-        </p:txBody>
-      </p:sp>
-    </p:spTree>
-    <p:extLst>
-      <p:ext uri="{BB962C8B-B14F-4D97-AF65-F5344CB8AC3E}">
-        <p14:creationId xmlns:p14="http://schemas.microsoft.com/office/powerpoint/2010/main" val="2714803084"/>
-      </p:ext>
-    </p:extLst>
-  </p:cSld>
-  <p:clrMapOvr>
-    <a:masterClrMapping/>
-  </p:clrMapOvr>
-</p:sld>
-</file>
-
-<file path=ppt/slides/slide7.xml><?xml version="1.0" encoding="utf-8"?>
-<p:sld xmlns:a="http://schemas.openxmlformats.org/drawingml/2006/main" xmlns:r="http://schemas.openxmlformats.org/officeDocument/2006/relationships" xmlns:p="http://schemas.openxmlformats.org/presentationml/2006/main">
-  <p:cSld>
-    <p:spTree>
-      <p:nvGrpSpPr>
-        <p:cNvPr id="1" name=""/>
-        <p:cNvGrpSpPr/>
-        <p:nvPr/>
-      </p:nvGrpSpPr>
-      <p:grpSpPr>
-        <a:xfrm>
-          <a:off x="0" y="0"/>
-          <a:ext cx="0" cy="0"/>
-          <a:chOff x="0" y="0"/>
-          <a:chExt cx="0" cy="0"/>
-        </a:xfrm>
-      </p:grpSpPr>
-      <p:sp>
-        <p:nvSpPr>
-          <p:cNvPr id="2" name="Título 1">
-            <a:extLst>
-              <a:ext uri="{FF2B5EF4-FFF2-40B4-BE49-F238E27FC236}">
-                <a16:creationId xmlns:a16="http://schemas.microsoft.com/office/drawing/2014/main" id="{8CB10995-DFE5-3ED3-CD5A-C90DAE9AB640}"/>
+                <a16:creationId xmlns:a16="http://schemas.microsoft.com/office/drawing/2014/main" id="{C88672C5-55C4-5C8D-8AC1-746853D470FB}"/>
               </a:ext>
             </a:extLst>
           </p:cNvPr>
@@ -14393,7 +14021,7 @@
             <a:spLocks noGrp="1"/>
           </p:cNvSpPr>
           <p:nvPr>
-            <p:ph type="title"/>
+            <p:ph idx="1"/>
           </p:nvPr>
         </p:nvSpPr>
         <p:spPr/>
@@ -14401,374 +14029,14 @@
           <a:bodyPr/>
           <a:lstStyle/>
           <a:p>
-            <a:r>
-              <a:rPr lang="es-MX" dirty="0"/>
-              <a:t>RESULTADO</a:t>
-            </a:r>
-          </a:p>
-        </p:txBody>
-      </p:sp>
-      <p:pic>
-        <p:nvPicPr>
-          <p:cNvPr id="5" name="Marcador de contenido 4">
-            <a:extLst>
-              <a:ext uri="{FF2B5EF4-FFF2-40B4-BE49-F238E27FC236}">
-                <a16:creationId xmlns:a16="http://schemas.microsoft.com/office/drawing/2014/main" id="{90DA2DE2-09B5-1D70-95EE-0E3FEFB22E5E}"/>
-              </a:ext>
-            </a:extLst>
-          </p:cNvPr>
-          <p:cNvPicPr>
-            <a:picLocks noGrp="1" noChangeAspect="1"/>
-          </p:cNvPicPr>
-          <p:nvPr>
-            <p:ph idx="1"/>
-          </p:nvPr>
-        </p:nvPicPr>
-        <p:blipFill>
-          <a:blip r:embed="rId2"/>
-          <a:stretch>
-            <a:fillRect/>
-          </a:stretch>
-        </p:blipFill>
-        <p:spPr>
-          <a:xfrm>
-            <a:off x="7385158" y="2236758"/>
-            <a:ext cx="3829584" cy="3115110"/>
-          </a:xfrm>
-        </p:spPr>
-      </p:pic>
-      <p:pic>
-        <p:nvPicPr>
-          <p:cNvPr id="7" name="Imagen 6">
-            <a:extLst>
-              <a:ext uri="{FF2B5EF4-FFF2-40B4-BE49-F238E27FC236}">
-                <a16:creationId xmlns:a16="http://schemas.microsoft.com/office/drawing/2014/main" id="{96F60198-D3AD-C79F-F430-B35F223B5B3E}"/>
-              </a:ext>
-            </a:extLst>
-          </p:cNvPr>
-          <p:cNvPicPr>
-            <a:picLocks noChangeAspect="1"/>
-          </p:cNvPicPr>
-          <p:nvPr/>
-        </p:nvPicPr>
-        <p:blipFill>
-          <a:blip r:embed="rId3"/>
-          <a:stretch>
-            <a:fillRect/>
-          </a:stretch>
-        </p:blipFill>
-        <p:spPr>
-          <a:xfrm>
-            <a:off x="747174" y="2236758"/>
-            <a:ext cx="6487554" cy="3115110"/>
-          </a:xfrm>
-          <a:prstGeom prst="rect">
-            <a:avLst/>
-          </a:prstGeom>
-        </p:spPr>
-      </p:pic>
-    </p:spTree>
-    <p:extLst>
-      <p:ext uri="{BB962C8B-B14F-4D97-AF65-F5344CB8AC3E}">
-        <p14:creationId xmlns:p14="http://schemas.microsoft.com/office/powerpoint/2010/main" val="832777456"/>
-      </p:ext>
-    </p:extLst>
-  </p:cSld>
-  <p:clrMapOvr>
-    <a:masterClrMapping/>
-  </p:clrMapOvr>
-</p:sld>
-</file>
-
-<file path=ppt/slides/slide8.xml><?xml version="1.0" encoding="utf-8"?>
-<p:sld xmlns:a="http://schemas.openxmlformats.org/drawingml/2006/main" xmlns:r="http://schemas.openxmlformats.org/officeDocument/2006/relationships" xmlns:p="http://schemas.openxmlformats.org/presentationml/2006/main">
-  <p:cSld>
-    <p:spTree>
-      <p:nvGrpSpPr>
-        <p:cNvPr id="1" name=""/>
-        <p:cNvGrpSpPr/>
-        <p:nvPr/>
-      </p:nvGrpSpPr>
-      <p:grpSpPr>
-        <a:xfrm>
-          <a:off x="0" y="0"/>
-          <a:ext cx="0" cy="0"/>
-          <a:chOff x="0" y="0"/>
-          <a:chExt cx="0" cy="0"/>
-        </a:xfrm>
-      </p:grpSpPr>
-      <p:sp>
-        <p:nvSpPr>
-          <p:cNvPr id="2" name="Título 1">
-            <a:extLst>
-              <a:ext uri="{FF2B5EF4-FFF2-40B4-BE49-F238E27FC236}">
-                <a16:creationId xmlns:a16="http://schemas.microsoft.com/office/drawing/2014/main" id="{29874670-17E7-A5EA-DAF8-4D3781F4C956}"/>
-              </a:ext>
-            </a:extLst>
-          </p:cNvPr>
-          <p:cNvSpPr>
-            <a:spLocks noGrp="1"/>
-          </p:cNvSpPr>
-          <p:nvPr>
-            <p:ph type="title"/>
-          </p:nvPr>
-        </p:nvSpPr>
-        <p:spPr>
-          <a:xfrm>
-            <a:off x="4346950" y="371939"/>
-            <a:ext cx="5166920" cy="1478570"/>
-          </a:xfrm>
-        </p:spPr>
-        <p:txBody>
-          <a:bodyPr/>
-          <a:lstStyle/>
-          <a:p>
-            <a:r>
-              <a:rPr lang="es-MX" dirty="0"/>
-              <a:t>METODO DE BUSQUEDA HASH</a:t>
-            </a:r>
-          </a:p>
-        </p:txBody>
-      </p:sp>
-      <p:pic>
-        <p:nvPicPr>
-          <p:cNvPr id="5" name="Marcador de contenido 4">
-            <a:extLst>
-              <a:ext uri="{FF2B5EF4-FFF2-40B4-BE49-F238E27FC236}">
-                <a16:creationId xmlns:a16="http://schemas.microsoft.com/office/drawing/2014/main" id="{862E9031-A12D-9896-E3E9-616E59C6B566}"/>
-              </a:ext>
-            </a:extLst>
-          </p:cNvPr>
-          <p:cNvPicPr>
-            <a:picLocks noGrp="1" noChangeAspect="1"/>
-          </p:cNvPicPr>
-          <p:nvPr>
-            <p:ph idx="1"/>
-          </p:nvPr>
-        </p:nvPicPr>
-        <p:blipFill>
-          <a:blip r:embed="rId2"/>
-          <a:stretch>
-            <a:fillRect/>
-          </a:stretch>
-        </p:blipFill>
-        <p:spPr>
-          <a:xfrm>
-            <a:off x="216765" y="854823"/>
-            <a:ext cx="3500588" cy="4960349"/>
-          </a:xfrm>
-        </p:spPr>
-      </p:pic>
-      <p:pic>
-        <p:nvPicPr>
-          <p:cNvPr id="7" name="Imagen 6">
-            <a:extLst>
-              <a:ext uri="{FF2B5EF4-FFF2-40B4-BE49-F238E27FC236}">
-                <a16:creationId xmlns:a16="http://schemas.microsoft.com/office/drawing/2014/main" id="{1C575450-C30C-0E65-4EF5-D963F5825CC1}"/>
-              </a:ext>
-            </a:extLst>
-          </p:cNvPr>
-          <p:cNvPicPr>
-            <a:picLocks noChangeAspect="1"/>
-          </p:cNvPicPr>
-          <p:nvPr/>
-        </p:nvPicPr>
-        <p:blipFill>
-          <a:blip r:embed="rId3"/>
-          <a:stretch>
-            <a:fillRect/>
-          </a:stretch>
-        </p:blipFill>
-        <p:spPr>
-          <a:xfrm>
-            <a:off x="3807004" y="1850509"/>
-            <a:ext cx="3775324" cy="4063402"/>
-          </a:xfrm>
-          <a:prstGeom prst="rect">
-            <a:avLst/>
-          </a:prstGeom>
-        </p:spPr>
-      </p:pic>
-      <p:sp>
-        <p:nvSpPr>
-          <p:cNvPr id="9" name="CuadroTexto 8">
-            <a:extLst>
-              <a:ext uri="{FF2B5EF4-FFF2-40B4-BE49-F238E27FC236}">
-                <a16:creationId xmlns:a16="http://schemas.microsoft.com/office/drawing/2014/main" id="{B0DD3CF8-7EE9-0CB6-FFC4-6005AB104D7B}"/>
-              </a:ext>
-            </a:extLst>
-          </p:cNvPr>
-          <p:cNvSpPr txBox="1"/>
-          <p:nvPr/>
-        </p:nvSpPr>
-        <p:spPr>
-          <a:xfrm>
-            <a:off x="8013842" y="1958505"/>
-            <a:ext cx="3626777" cy="2862322"/>
-          </a:xfrm>
-          <a:prstGeom prst="rect">
-            <a:avLst/>
-          </a:prstGeom>
-          <a:noFill/>
-        </p:spPr>
-        <p:txBody>
-          <a:bodyPr wrap="square">
-            <a:spAutoFit/>
-          </a:bodyPr>
-          <a:lstStyle/>
-          <a:p>
-            <a:r>
-              <a:rPr lang="es-MX" dirty="0"/>
-              <a:t>Este código implementa una </a:t>
-            </a:r>
-            <a:r>
-              <a:rPr lang="es-MX" b="1" dirty="0"/>
-              <a:t>tabla hash con manejo de colisiones</a:t>
-            </a:r>
-            <a:r>
-              <a:rPr lang="es-MX" dirty="0"/>
-              <a:t> para almacenar y buscar números de manera rápida y eficiente. Utiliza </a:t>
-            </a:r>
-            <a:r>
-              <a:rPr lang="es-MX" b="1" dirty="0" err="1"/>
-              <a:t>JavaFX</a:t>
-            </a:r>
-            <a:r>
-              <a:rPr lang="es-MX" dirty="0"/>
-              <a:t> para que el usuario pueda interactuar con la tabla mediante una </a:t>
-            </a:r>
-            <a:r>
-              <a:rPr lang="es-MX" b="1" dirty="0"/>
-              <a:t>interfaz gráfica</a:t>
-            </a:r>
-            <a:r>
-              <a:rPr lang="es-MX" dirty="0"/>
-              <a:t>, permitiendo insertar, buscar y eliminar elementos mientras visualiza la estructura completa de la tabla.</a:t>
-            </a:r>
+            <a:endParaRPr lang="es-MX" dirty="0"/>
           </a:p>
         </p:txBody>
       </p:sp>
     </p:spTree>
     <p:extLst>
       <p:ext uri="{BB962C8B-B14F-4D97-AF65-F5344CB8AC3E}">
-        <p14:creationId xmlns:p14="http://schemas.microsoft.com/office/powerpoint/2010/main" val="3078311391"/>
-      </p:ext>
-    </p:extLst>
-  </p:cSld>
-  <p:clrMapOvr>
-    <a:masterClrMapping/>
-  </p:clrMapOvr>
-</p:sld>
-</file>
-
-<file path=ppt/slides/slide9.xml><?xml version="1.0" encoding="utf-8"?>
-<p:sld xmlns:a="http://schemas.openxmlformats.org/drawingml/2006/main" xmlns:r="http://schemas.openxmlformats.org/officeDocument/2006/relationships" xmlns:p="http://schemas.openxmlformats.org/presentationml/2006/main">
-  <p:cSld>
-    <p:spTree>
-      <p:nvGrpSpPr>
-        <p:cNvPr id="1" name=""/>
-        <p:cNvGrpSpPr/>
-        <p:nvPr/>
-      </p:nvGrpSpPr>
-      <p:grpSpPr>
-        <a:xfrm>
-          <a:off x="0" y="0"/>
-          <a:ext cx="0" cy="0"/>
-          <a:chOff x="0" y="0"/>
-          <a:chExt cx="0" cy="0"/>
-        </a:xfrm>
-      </p:grpSpPr>
-      <p:sp>
-        <p:nvSpPr>
-          <p:cNvPr id="2" name="Título 1">
-            <a:extLst>
-              <a:ext uri="{FF2B5EF4-FFF2-40B4-BE49-F238E27FC236}">
-                <a16:creationId xmlns:a16="http://schemas.microsoft.com/office/drawing/2014/main" id="{37EE513E-4632-8495-F373-14EADF547C55}"/>
-              </a:ext>
-            </a:extLst>
-          </p:cNvPr>
-          <p:cNvSpPr>
-            <a:spLocks noGrp="1"/>
-          </p:cNvSpPr>
-          <p:nvPr>
-            <p:ph type="title"/>
-          </p:nvPr>
-        </p:nvSpPr>
-        <p:spPr/>
-        <p:txBody>
-          <a:bodyPr/>
-          <a:lstStyle/>
-          <a:p>
-            <a:r>
-              <a:rPr lang="es-MX" dirty="0"/>
-              <a:t>RESULTADO</a:t>
-            </a:r>
-          </a:p>
-        </p:txBody>
-      </p:sp>
-      <p:pic>
-        <p:nvPicPr>
-          <p:cNvPr id="5" name="Marcador de contenido 4">
-            <a:extLst>
-              <a:ext uri="{FF2B5EF4-FFF2-40B4-BE49-F238E27FC236}">
-                <a16:creationId xmlns:a16="http://schemas.microsoft.com/office/drawing/2014/main" id="{76FEE898-C7D3-BB52-F0E4-4B5DAC6E520E}"/>
-              </a:ext>
-            </a:extLst>
-          </p:cNvPr>
-          <p:cNvPicPr>
-            <a:picLocks noGrp="1" noChangeAspect="1"/>
-          </p:cNvPicPr>
-          <p:nvPr>
-            <p:ph idx="1"/>
-          </p:nvPr>
-        </p:nvPicPr>
-        <p:blipFill>
-          <a:blip r:embed="rId2"/>
-          <a:stretch>
-            <a:fillRect/>
-          </a:stretch>
-        </p:blipFill>
-        <p:spPr>
-          <a:xfrm>
-            <a:off x="6757134" y="2097088"/>
-            <a:ext cx="4941794" cy="3541712"/>
-          </a:xfrm>
-        </p:spPr>
-      </p:pic>
-      <p:pic>
-        <p:nvPicPr>
-          <p:cNvPr id="7" name="Imagen 6">
-            <a:extLst>
-              <a:ext uri="{FF2B5EF4-FFF2-40B4-BE49-F238E27FC236}">
-                <a16:creationId xmlns:a16="http://schemas.microsoft.com/office/drawing/2014/main" id="{5C1D67D9-8A0A-9AE5-C73F-98D056935B63}"/>
-              </a:ext>
-            </a:extLst>
-          </p:cNvPr>
-          <p:cNvPicPr>
-            <a:picLocks noChangeAspect="1"/>
-          </p:cNvPicPr>
-          <p:nvPr/>
-        </p:nvPicPr>
-        <p:blipFill>
-          <a:blip r:embed="rId3"/>
-          <a:stretch>
-            <a:fillRect/>
-          </a:stretch>
-        </p:blipFill>
-        <p:spPr>
-          <a:xfrm>
-            <a:off x="489896" y="2178121"/>
-            <a:ext cx="5847867" cy="3020841"/>
-          </a:xfrm>
-          <a:prstGeom prst="rect">
-            <a:avLst/>
-          </a:prstGeom>
-        </p:spPr>
-      </p:pic>
-    </p:spTree>
-    <p:extLst>
-      <p:ext uri="{BB962C8B-B14F-4D97-AF65-F5344CB8AC3E}">
-        <p14:creationId xmlns:p14="http://schemas.microsoft.com/office/powerpoint/2010/main" val="4231126347"/>
+        <p14:creationId xmlns:p14="http://schemas.microsoft.com/office/powerpoint/2010/main" val="4130313326"/>
       </p:ext>
     </p:extLst>
   </p:cSld>

--- a/ED-Tema-6/6.3 EJERCICIOS_CYNTHIA JASMINE MORALES TORRES.pptx
+++ b/ED-Tema-6/6.3 EJERCICIOS_CYNTHIA JASMINE MORALES TORRES.pptx
@@ -167,7 +167,7 @@
           <a:noFill/>
           <a:extLst>
             <a:ext uri="{909E8E84-426E-40dd-AFC4-6F175D3DCCD1}">
-              <a14:hiddenFill xmlns="" xmlns:a14="http://schemas.microsoft.com/office/drawing/2010/main">
+              <a14:hiddenFill xmlns:a14="http://schemas.microsoft.com/office/drawing/2010/main" xmlns="">
                 <a:solidFill>
                   <a:srgbClr val="FFFFFF"/>
                 </a:solidFill>
@@ -227,7 +227,7 @@
             </a:ln>
             <a:extLst>
               <a:ext uri="{91240B29-F687-4f45-9708-019B960494DF}">
-                <a14:hiddenLine xmlns="" xmlns:a14="http://schemas.microsoft.com/office/drawing/2010/main" w="9525">
+                <a14:hiddenLine xmlns:a14="http://schemas.microsoft.com/office/drawing/2010/main" xmlns="" w="9525">
                   <a:solidFill>
                     <a:srgbClr val="000000"/>
                   </a:solidFill>
@@ -317,7 +317,7 @@
             </a:ln>
             <a:extLst>
               <a:ext uri="{91240B29-F687-4f45-9708-019B960494DF}">
-                <a14:hiddenLine xmlns="" xmlns:a14="http://schemas.microsoft.com/office/drawing/2010/main" w="9525">
+                <a14:hiddenLine xmlns:a14="http://schemas.microsoft.com/office/drawing/2010/main" xmlns="" w="9525">
                   <a:solidFill>
                     <a:srgbClr val="000000"/>
                   </a:solidFill>
@@ -407,7 +407,7 @@
             </a:ln>
             <a:extLst>
               <a:ext uri="{91240B29-F687-4f45-9708-019B960494DF}">
-                <a14:hiddenLine xmlns="" xmlns:a14="http://schemas.microsoft.com/office/drawing/2010/main" w="9525">
+                <a14:hiddenLine xmlns:a14="http://schemas.microsoft.com/office/drawing/2010/main" xmlns="" w="9525">
                   <a:solidFill>
                     <a:srgbClr val="000000"/>
                   </a:solidFill>
@@ -441,7 +441,7 @@
             </a:ln>
             <a:extLst>
               <a:ext uri="{91240B29-F687-4f45-9708-019B960494DF}">
-                <a14:hiddenLine xmlns="" xmlns:a14="http://schemas.microsoft.com/office/drawing/2010/main" w="9525">
+                <a14:hiddenLine xmlns:a14="http://schemas.microsoft.com/office/drawing/2010/main" xmlns="" w="9525">
                   <a:solidFill>
                     <a:srgbClr val="000000"/>
                   </a:solidFill>
@@ -531,7 +531,7 @@
             </a:ln>
             <a:extLst>
               <a:ext uri="{91240B29-F687-4f45-9708-019B960494DF}">
-                <a14:hiddenLine xmlns="" xmlns:a14="http://schemas.microsoft.com/office/drawing/2010/main" w="9525">
+                <a14:hiddenLine xmlns:a14="http://schemas.microsoft.com/office/drawing/2010/main" xmlns="" w="9525">
                   <a:solidFill>
                     <a:srgbClr val="000000"/>
                   </a:solidFill>
@@ -593,7 +593,7 @@
             </a:ln>
             <a:extLst>
               <a:ext uri="{91240B29-F687-4f45-9708-019B960494DF}">
-                <a14:hiddenLine xmlns="" xmlns:a14="http://schemas.microsoft.com/office/drawing/2010/main" w="9525">
+                <a14:hiddenLine xmlns:a14="http://schemas.microsoft.com/office/drawing/2010/main" xmlns="" w="9525">
                   <a:solidFill>
                     <a:srgbClr val="000000"/>
                   </a:solidFill>
@@ -655,7 +655,7 @@
             </a:ln>
             <a:extLst>
               <a:ext uri="{91240B29-F687-4f45-9708-019B960494DF}">
-                <a14:hiddenLine xmlns="" xmlns:a14="http://schemas.microsoft.com/office/drawing/2010/main" w="9525">
+                <a14:hiddenLine xmlns:a14="http://schemas.microsoft.com/office/drawing/2010/main" xmlns="" w="9525">
                   <a:solidFill>
                     <a:srgbClr val="000000"/>
                   </a:solidFill>
@@ -745,7 +745,7 @@
             </a:ln>
             <a:extLst>
               <a:ext uri="{91240B29-F687-4f45-9708-019B960494DF}">
-                <a14:hiddenLine xmlns="" xmlns:a14="http://schemas.microsoft.com/office/drawing/2010/main" w="9525">
+                <a14:hiddenLine xmlns:a14="http://schemas.microsoft.com/office/drawing/2010/main" xmlns="" w="9525">
                   <a:solidFill>
                     <a:srgbClr val="000000"/>
                   </a:solidFill>
@@ -807,7 +807,7 @@
             </a:ln>
             <a:extLst>
               <a:ext uri="{91240B29-F687-4f45-9708-019B960494DF}">
-                <a14:hiddenLine xmlns="" xmlns:a14="http://schemas.microsoft.com/office/drawing/2010/main" w="9525">
+                <a14:hiddenLine xmlns:a14="http://schemas.microsoft.com/office/drawing/2010/main" xmlns="" w="9525">
                   <a:solidFill>
                     <a:srgbClr val="000000"/>
                   </a:solidFill>
@@ -869,7 +869,7 @@
             </a:ln>
             <a:extLst>
               <a:ext uri="{91240B29-F687-4f45-9708-019B960494DF}">
-                <a14:hiddenLine xmlns="" xmlns:a14="http://schemas.microsoft.com/office/drawing/2010/main" w="9525">
+                <a14:hiddenLine xmlns:a14="http://schemas.microsoft.com/office/drawing/2010/main" xmlns="" w="9525">
                   <a:solidFill>
                     <a:srgbClr val="000000"/>
                   </a:solidFill>
@@ -959,7 +959,7 @@
             </a:ln>
             <a:extLst>
               <a:ext uri="{91240B29-F687-4f45-9708-019B960494DF}">
-                <a14:hiddenLine xmlns="" xmlns:a14="http://schemas.microsoft.com/office/drawing/2010/main" w="9525">
+                <a14:hiddenLine xmlns:a14="http://schemas.microsoft.com/office/drawing/2010/main" xmlns="" w="9525">
                   <a:solidFill>
                     <a:srgbClr val="000000"/>
                   </a:solidFill>
@@ -1049,7 +1049,7 @@
             </a:ln>
             <a:extLst>
               <a:ext uri="{91240B29-F687-4f45-9708-019B960494DF}">
-                <a14:hiddenLine xmlns="" xmlns:a14="http://schemas.microsoft.com/office/drawing/2010/main" w="9525">
+                <a14:hiddenLine xmlns:a14="http://schemas.microsoft.com/office/drawing/2010/main" xmlns="" w="9525">
                   <a:solidFill>
                     <a:srgbClr val="000000"/>
                   </a:solidFill>
@@ -1111,7 +1111,7 @@
             </a:ln>
             <a:extLst>
               <a:ext uri="{91240B29-F687-4f45-9708-019B960494DF}">
-                <a14:hiddenLine xmlns="" xmlns:a14="http://schemas.microsoft.com/office/drawing/2010/main" w="9525">
+                <a14:hiddenLine xmlns:a14="http://schemas.microsoft.com/office/drawing/2010/main" xmlns="" w="9525">
                   <a:solidFill>
                     <a:srgbClr val="000000"/>
                   </a:solidFill>
@@ -1221,7 +1221,7 @@
             </a:ln>
             <a:extLst>
               <a:ext uri="{91240B29-F687-4f45-9708-019B960494DF}">
-                <a14:hiddenLine xmlns="" xmlns:a14="http://schemas.microsoft.com/office/drawing/2010/main" w="9525">
+                <a14:hiddenLine xmlns:a14="http://schemas.microsoft.com/office/drawing/2010/main" xmlns="" w="9525">
                   <a:solidFill>
                     <a:srgbClr val="000000"/>
                   </a:solidFill>
@@ -1283,7 +1283,7 @@
             </a:ln>
             <a:extLst>
               <a:ext uri="{91240B29-F687-4f45-9708-019B960494DF}">
-                <a14:hiddenLine xmlns="" xmlns:a14="http://schemas.microsoft.com/office/drawing/2010/main" w="9525">
+                <a14:hiddenLine xmlns:a14="http://schemas.microsoft.com/office/drawing/2010/main" xmlns="" w="9525">
                   <a:solidFill>
                     <a:srgbClr val="000000"/>
                   </a:solidFill>
@@ -1373,7 +1373,7 @@
             </a:ln>
             <a:extLst>
               <a:ext uri="{91240B29-F687-4f45-9708-019B960494DF}">
-                <a14:hiddenLine xmlns="" xmlns:a14="http://schemas.microsoft.com/office/drawing/2010/main" w="9525">
+                <a14:hiddenLine xmlns:a14="http://schemas.microsoft.com/office/drawing/2010/main" xmlns="" w="9525">
                   <a:solidFill>
                     <a:srgbClr val="000000"/>
                   </a:solidFill>
@@ -1463,7 +1463,7 @@
             </a:ln>
             <a:extLst>
               <a:ext uri="{91240B29-F687-4f45-9708-019B960494DF}">
-                <a14:hiddenLine xmlns="" xmlns:a14="http://schemas.microsoft.com/office/drawing/2010/main" w="9525">
+                <a14:hiddenLine xmlns:a14="http://schemas.microsoft.com/office/drawing/2010/main" xmlns="" w="9525">
                   <a:solidFill>
                     <a:srgbClr val="000000"/>
                   </a:solidFill>
@@ -1525,7 +1525,7 @@
             </a:ln>
             <a:extLst>
               <a:ext uri="{91240B29-F687-4f45-9708-019B960494DF}">
-                <a14:hiddenLine xmlns="" xmlns:a14="http://schemas.microsoft.com/office/drawing/2010/main" w="9525">
+                <a14:hiddenLine xmlns:a14="http://schemas.microsoft.com/office/drawing/2010/main" xmlns="" w="9525">
                   <a:solidFill>
                     <a:srgbClr val="000000"/>
                   </a:solidFill>
@@ -1615,7 +1615,7 @@
             </a:ln>
             <a:extLst>
               <a:ext uri="{91240B29-F687-4f45-9708-019B960494DF}">
-                <a14:hiddenLine xmlns="" xmlns:a14="http://schemas.microsoft.com/office/drawing/2010/main" w="9525">
+                <a14:hiddenLine xmlns:a14="http://schemas.microsoft.com/office/drawing/2010/main" xmlns="" w="9525">
                   <a:solidFill>
                     <a:srgbClr val="000000"/>
                   </a:solidFill>
@@ -1705,7 +1705,7 @@
             </a:ln>
             <a:extLst>
               <a:ext uri="{91240B29-F687-4f45-9708-019B960494DF}">
-                <a14:hiddenLine xmlns="" xmlns:a14="http://schemas.microsoft.com/office/drawing/2010/main" w="9525">
+                <a14:hiddenLine xmlns:a14="http://schemas.microsoft.com/office/drawing/2010/main" xmlns="" w="9525">
                   <a:solidFill>
                     <a:srgbClr val="000000"/>
                   </a:solidFill>
@@ -1761,7 +1761,7 @@
             </a:ln>
             <a:extLst>
               <a:ext uri="{91240B29-F687-4f45-9708-019B960494DF}">
-                <a14:hiddenLine xmlns="" xmlns:a14="http://schemas.microsoft.com/office/drawing/2010/main" w="9525">
+                <a14:hiddenLine xmlns:a14="http://schemas.microsoft.com/office/drawing/2010/main" xmlns="" w="9525">
                   <a:solidFill>
                     <a:srgbClr val="000000"/>
                   </a:solidFill>
@@ -1851,7 +1851,7 @@
             </a:ln>
             <a:extLst>
               <a:ext uri="{91240B29-F687-4f45-9708-019B960494DF}">
-                <a14:hiddenLine xmlns="" xmlns:a14="http://schemas.microsoft.com/office/drawing/2010/main" w="9525">
+                <a14:hiddenLine xmlns:a14="http://schemas.microsoft.com/office/drawing/2010/main" xmlns="" w="9525">
                   <a:solidFill>
                     <a:srgbClr val="000000"/>
                   </a:solidFill>
@@ -1907,7 +1907,7 @@
             </a:ln>
             <a:extLst>
               <a:ext uri="{91240B29-F687-4f45-9708-019B960494DF}">
-                <a14:hiddenLine xmlns="" xmlns:a14="http://schemas.microsoft.com/office/drawing/2010/main" w="9525">
+                <a14:hiddenLine xmlns:a14="http://schemas.microsoft.com/office/drawing/2010/main" xmlns="" w="9525">
                   <a:solidFill>
                     <a:srgbClr val="000000"/>
                   </a:solidFill>
@@ -1997,7 +1997,7 @@
             </a:ln>
             <a:extLst>
               <a:ext uri="{91240B29-F687-4f45-9708-019B960494DF}">
-                <a14:hiddenLine xmlns="" xmlns:a14="http://schemas.microsoft.com/office/drawing/2010/main" w="9525">
+                <a14:hiddenLine xmlns:a14="http://schemas.microsoft.com/office/drawing/2010/main" xmlns="" w="9525">
                   <a:solidFill>
                     <a:srgbClr val="000000"/>
                   </a:solidFill>
@@ -2065,7 +2065,7 @@
             </a:ln>
             <a:extLst>
               <a:ext uri="{91240B29-F687-4f45-9708-019B960494DF}">
-                <a14:hiddenLine xmlns="" xmlns:a14="http://schemas.microsoft.com/office/drawing/2010/main" w="9525">
+                <a14:hiddenLine xmlns:a14="http://schemas.microsoft.com/office/drawing/2010/main" xmlns="" w="9525">
                   <a:solidFill>
                     <a:srgbClr val="000000"/>
                   </a:solidFill>
@@ -2155,7 +2155,7 @@
             </a:ln>
             <a:extLst>
               <a:ext uri="{91240B29-F687-4f45-9708-019B960494DF}">
-                <a14:hiddenLine xmlns="" xmlns:a14="http://schemas.microsoft.com/office/drawing/2010/main" w="9525">
+                <a14:hiddenLine xmlns:a14="http://schemas.microsoft.com/office/drawing/2010/main" xmlns="" w="9525">
                   <a:solidFill>
                     <a:srgbClr val="000000"/>
                   </a:solidFill>
@@ -2223,7 +2223,7 @@
             </a:ln>
             <a:extLst>
               <a:ext uri="{91240B29-F687-4f45-9708-019B960494DF}">
-                <a14:hiddenLine xmlns="" xmlns:a14="http://schemas.microsoft.com/office/drawing/2010/main" w="9525">
+                <a14:hiddenLine xmlns:a14="http://schemas.microsoft.com/office/drawing/2010/main" xmlns="" w="9525">
                   <a:solidFill>
                     <a:srgbClr val="000000"/>
                   </a:solidFill>
@@ -2313,7 +2313,7 @@
             </a:ln>
             <a:extLst>
               <a:ext uri="{91240B29-F687-4f45-9708-019B960494DF}">
-                <a14:hiddenLine xmlns="" xmlns:a14="http://schemas.microsoft.com/office/drawing/2010/main" w="9525">
+                <a14:hiddenLine xmlns:a14="http://schemas.microsoft.com/office/drawing/2010/main" xmlns="" w="9525">
                   <a:solidFill>
                     <a:srgbClr val="000000"/>
                   </a:solidFill>
@@ -2347,7 +2347,7 @@
             </a:ln>
             <a:extLst>
               <a:ext uri="{91240B29-F687-4f45-9708-019B960494DF}">
-                <a14:hiddenLine xmlns="" xmlns:a14="http://schemas.microsoft.com/office/drawing/2010/main" w="9525">
+                <a14:hiddenLine xmlns:a14="http://schemas.microsoft.com/office/drawing/2010/main" xmlns="" w="9525">
                   <a:solidFill>
                     <a:srgbClr val="000000"/>
                   </a:solidFill>
@@ -2437,7 +2437,7 @@
             </a:ln>
             <a:extLst>
               <a:ext uri="{91240B29-F687-4f45-9708-019B960494DF}">
-                <a14:hiddenLine xmlns="" xmlns:a14="http://schemas.microsoft.com/office/drawing/2010/main" w="9525">
+                <a14:hiddenLine xmlns:a14="http://schemas.microsoft.com/office/drawing/2010/main" xmlns="" w="9525">
                   <a:solidFill>
                     <a:srgbClr val="000000"/>
                   </a:solidFill>
@@ -2499,7 +2499,7 @@
             </a:ln>
             <a:extLst>
               <a:ext uri="{91240B29-F687-4f45-9708-019B960494DF}">
-                <a14:hiddenLine xmlns="" xmlns:a14="http://schemas.microsoft.com/office/drawing/2010/main" w="9525">
+                <a14:hiddenLine xmlns:a14="http://schemas.microsoft.com/office/drawing/2010/main" xmlns="" w="9525">
                   <a:solidFill>
                     <a:srgbClr val="000000"/>
                   </a:solidFill>
@@ -2561,7 +2561,7 @@
             </a:ln>
             <a:extLst>
               <a:ext uri="{91240B29-F687-4f45-9708-019B960494DF}">
-                <a14:hiddenLine xmlns="" xmlns:a14="http://schemas.microsoft.com/office/drawing/2010/main" w="9525">
+                <a14:hiddenLine xmlns:a14="http://schemas.microsoft.com/office/drawing/2010/main" xmlns="" w="9525">
                   <a:solidFill>
                     <a:srgbClr val="000000"/>
                   </a:solidFill>
@@ -2651,7 +2651,7 @@
             </a:ln>
             <a:extLst>
               <a:ext uri="{91240B29-F687-4f45-9708-019B960494DF}">
-                <a14:hiddenLine xmlns="" xmlns:a14="http://schemas.microsoft.com/office/drawing/2010/main" w="9525">
+                <a14:hiddenLine xmlns:a14="http://schemas.microsoft.com/office/drawing/2010/main" xmlns="" w="9525">
                   <a:solidFill>
                     <a:srgbClr val="000000"/>
                   </a:solidFill>
@@ -2719,7 +2719,7 @@
             </a:ln>
             <a:extLst>
               <a:ext uri="{91240B29-F687-4f45-9708-019B960494DF}">
-                <a14:hiddenLine xmlns="" xmlns:a14="http://schemas.microsoft.com/office/drawing/2010/main" w="9525">
+                <a14:hiddenLine xmlns:a14="http://schemas.microsoft.com/office/drawing/2010/main" xmlns="" w="9525">
                   <a:solidFill>
                     <a:srgbClr val="000000"/>
                   </a:solidFill>
@@ -2781,7 +2781,7 @@
             </a:ln>
             <a:extLst>
               <a:ext uri="{91240B29-F687-4f45-9708-019B960494DF}">
-                <a14:hiddenLine xmlns="" xmlns:a14="http://schemas.microsoft.com/office/drawing/2010/main" w="9525">
+                <a14:hiddenLine xmlns:a14="http://schemas.microsoft.com/office/drawing/2010/main" xmlns="" w="9525">
                   <a:solidFill>
                     <a:srgbClr val="000000"/>
                   </a:solidFill>
@@ -2871,7 +2871,7 @@
             </a:ln>
             <a:extLst>
               <a:ext uri="{91240B29-F687-4f45-9708-019B960494DF}">
-                <a14:hiddenLine xmlns="" xmlns:a14="http://schemas.microsoft.com/office/drawing/2010/main" w="9525">
+                <a14:hiddenLine xmlns:a14="http://schemas.microsoft.com/office/drawing/2010/main" xmlns="" w="9525">
                   <a:solidFill>
                     <a:srgbClr val="000000"/>
                   </a:solidFill>
@@ -2933,7 +2933,7 @@
             </a:ln>
             <a:extLst>
               <a:ext uri="{91240B29-F687-4f45-9708-019B960494DF}">
-                <a14:hiddenLine xmlns="" xmlns:a14="http://schemas.microsoft.com/office/drawing/2010/main" w="9525">
+                <a14:hiddenLine xmlns:a14="http://schemas.microsoft.com/office/drawing/2010/main" xmlns="" w="9525">
                   <a:solidFill>
                     <a:srgbClr val="000000"/>
                   </a:solidFill>
@@ -3023,7 +3023,7 @@
             </a:ln>
             <a:extLst>
               <a:ext uri="{91240B29-F687-4f45-9708-019B960494DF}">
-                <a14:hiddenLine xmlns="" xmlns:a14="http://schemas.microsoft.com/office/drawing/2010/main" w="9525">
+                <a14:hiddenLine xmlns:a14="http://schemas.microsoft.com/office/drawing/2010/main" xmlns="" w="9525">
                   <a:solidFill>
                     <a:srgbClr val="000000"/>
                   </a:solidFill>
@@ -3085,7 +3085,7 @@
             </a:ln>
             <a:extLst>
               <a:ext uri="{91240B29-F687-4f45-9708-019B960494DF}">
-                <a14:hiddenLine xmlns="" xmlns:a14="http://schemas.microsoft.com/office/drawing/2010/main" w="9525">
+                <a14:hiddenLine xmlns:a14="http://schemas.microsoft.com/office/drawing/2010/main" xmlns="" w="9525">
                   <a:solidFill>
                     <a:srgbClr val="000000"/>
                   </a:solidFill>
@@ -3175,7 +3175,7 @@
             </a:ln>
             <a:extLst>
               <a:ext uri="{91240B29-F687-4f45-9708-019B960494DF}">
-                <a14:hiddenLine xmlns="" xmlns:a14="http://schemas.microsoft.com/office/drawing/2010/main" w="9525">
+                <a14:hiddenLine xmlns:a14="http://schemas.microsoft.com/office/drawing/2010/main" xmlns="" w="9525">
                   <a:solidFill>
                     <a:srgbClr val="000000"/>
                   </a:solidFill>
@@ -3209,7 +3209,7 @@
             </a:ln>
             <a:extLst>
               <a:ext uri="{91240B29-F687-4f45-9708-019B960494DF}">
-                <a14:hiddenLine xmlns="" xmlns:a14="http://schemas.microsoft.com/office/drawing/2010/main" w="9525">
+                <a14:hiddenLine xmlns:a14="http://schemas.microsoft.com/office/drawing/2010/main" xmlns="" w="9525">
                   <a:solidFill>
                     <a:srgbClr val="000000"/>
                   </a:solidFill>
@@ -3274,7 +3274,7 @@
             </a:ln>
             <a:extLst>
               <a:ext uri="{91240B29-F687-4f45-9708-019B960494DF}">
-                <a14:hiddenLine xmlns="" xmlns:a14="http://schemas.microsoft.com/office/drawing/2010/main" w="9525">
+                <a14:hiddenLine xmlns:a14="http://schemas.microsoft.com/office/drawing/2010/main" xmlns="" w="9525">
                   <a:solidFill>
                     <a:srgbClr val="000000"/>
                   </a:solidFill>
@@ -3364,7 +3364,7 @@
             </a:ln>
             <a:extLst>
               <a:ext uri="{91240B29-F687-4f45-9708-019B960494DF}">
-                <a14:hiddenLine xmlns="" xmlns:a14="http://schemas.microsoft.com/office/drawing/2010/main" w="9525">
+                <a14:hiddenLine xmlns:a14="http://schemas.microsoft.com/office/drawing/2010/main" xmlns="" w="9525">
                   <a:solidFill>
                     <a:srgbClr val="000000"/>
                   </a:solidFill>
@@ -3426,7 +3426,7 @@
             </a:ln>
             <a:extLst>
               <a:ext uri="{91240B29-F687-4f45-9708-019B960494DF}">
-                <a14:hiddenLine xmlns="" xmlns:a14="http://schemas.microsoft.com/office/drawing/2010/main" w="9525">
+                <a14:hiddenLine xmlns:a14="http://schemas.microsoft.com/office/drawing/2010/main" xmlns="" w="9525">
                   <a:solidFill>
                     <a:srgbClr val="000000"/>
                   </a:solidFill>
@@ -3516,7 +3516,7 @@
             </a:ln>
             <a:extLst>
               <a:ext uri="{91240B29-F687-4f45-9708-019B960494DF}">
-                <a14:hiddenLine xmlns="" xmlns:a14="http://schemas.microsoft.com/office/drawing/2010/main" w="9525">
+                <a14:hiddenLine xmlns:a14="http://schemas.microsoft.com/office/drawing/2010/main" xmlns="" w="9525">
                   <a:solidFill>
                     <a:srgbClr val="000000"/>
                   </a:solidFill>
@@ -3606,7 +3606,7 @@
             </a:ln>
             <a:extLst>
               <a:ext uri="{91240B29-F687-4f45-9708-019B960494DF}">
-                <a14:hiddenLine xmlns="" xmlns:a14="http://schemas.microsoft.com/office/drawing/2010/main" w="9525">
+                <a14:hiddenLine xmlns:a14="http://schemas.microsoft.com/office/drawing/2010/main" xmlns="" w="9525">
                   <a:solidFill>
                     <a:srgbClr val="000000"/>
                   </a:solidFill>
@@ -3671,7 +3671,7 @@
             </a:ln>
             <a:extLst>
               <a:ext uri="{91240B29-F687-4f45-9708-019B960494DF}">
-                <a14:hiddenLine xmlns="" xmlns:a14="http://schemas.microsoft.com/office/drawing/2010/main" w="9525">
+                <a14:hiddenLine xmlns:a14="http://schemas.microsoft.com/office/drawing/2010/main" xmlns="" w="9525">
                   <a:solidFill>
                     <a:srgbClr val="000000"/>
                   </a:solidFill>
@@ -3733,7 +3733,7 @@
             </a:ln>
             <a:extLst>
               <a:ext uri="{91240B29-F687-4f45-9708-019B960494DF}">
-                <a14:hiddenLine xmlns="" xmlns:a14="http://schemas.microsoft.com/office/drawing/2010/main" w="9525">
+                <a14:hiddenLine xmlns:a14="http://schemas.microsoft.com/office/drawing/2010/main" xmlns="" w="9525">
                   <a:solidFill>
                     <a:srgbClr val="000000"/>
                   </a:solidFill>
@@ -3823,7 +3823,7 @@
             </a:ln>
             <a:extLst>
               <a:ext uri="{91240B29-F687-4f45-9708-019B960494DF}">
-                <a14:hiddenLine xmlns="" xmlns:a14="http://schemas.microsoft.com/office/drawing/2010/main" w="9525">
+                <a14:hiddenLine xmlns:a14="http://schemas.microsoft.com/office/drawing/2010/main" xmlns="" w="9525">
                   <a:solidFill>
                     <a:srgbClr val="000000"/>
                   </a:solidFill>
@@ -3913,7 +3913,7 @@
             </a:ln>
             <a:extLst>
               <a:ext uri="{91240B29-F687-4f45-9708-019B960494DF}">
-                <a14:hiddenLine xmlns="" xmlns:a14="http://schemas.microsoft.com/office/drawing/2010/main" w="9525">
+                <a14:hiddenLine xmlns:a14="http://schemas.microsoft.com/office/drawing/2010/main" xmlns="" w="9525">
                   <a:solidFill>
                     <a:srgbClr val="000000"/>
                   </a:solidFill>
@@ -3975,7 +3975,7 @@
             </a:ln>
             <a:extLst>
               <a:ext uri="{91240B29-F687-4f45-9708-019B960494DF}">
-                <a14:hiddenLine xmlns="" xmlns:a14="http://schemas.microsoft.com/office/drawing/2010/main" w="9525">
+                <a14:hiddenLine xmlns:a14="http://schemas.microsoft.com/office/drawing/2010/main" xmlns="" w="9525">
                   <a:solidFill>
                     <a:srgbClr val="000000"/>
                   </a:solidFill>
@@ -4095,7 +4095,7 @@
             </a:ln>
             <a:extLst>
               <a:ext uri="{91240B29-F687-4f45-9708-019B960494DF}">
-                <a14:hiddenLine xmlns="" xmlns:a14="http://schemas.microsoft.com/office/drawing/2010/main" w="9525">
+                <a14:hiddenLine xmlns:a14="http://schemas.microsoft.com/office/drawing/2010/main" xmlns="" w="9525">
                   <a:solidFill>
                     <a:srgbClr val="000000"/>
                   </a:solidFill>
@@ -4163,7 +4163,7 @@
             </a:ln>
             <a:extLst>
               <a:ext uri="{91240B29-F687-4f45-9708-019B960494DF}">
-                <a14:hiddenLine xmlns="" xmlns:a14="http://schemas.microsoft.com/office/drawing/2010/main" w="9525">
+                <a14:hiddenLine xmlns:a14="http://schemas.microsoft.com/office/drawing/2010/main" xmlns="" w="9525">
                   <a:solidFill>
                     <a:srgbClr val="000000"/>
                   </a:solidFill>
@@ -4253,7 +4253,7 @@
             </a:ln>
             <a:extLst>
               <a:ext uri="{91240B29-F687-4f45-9708-019B960494DF}">
-                <a14:hiddenLine xmlns="" xmlns:a14="http://schemas.microsoft.com/office/drawing/2010/main" w="9525">
+                <a14:hiddenLine xmlns:a14="http://schemas.microsoft.com/office/drawing/2010/main" xmlns="" w="9525">
                   <a:solidFill>
                     <a:srgbClr val="000000"/>
                   </a:solidFill>
@@ -9060,7 +9060,7 @@
           <a:noFill/>
           <a:extLst>
             <a:ext uri="{909E8E84-426E-40dd-AFC4-6F175D3DCCD1}">
-              <a14:hiddenFill xmlns="" xmlns:a14="http://schemas.microsoft.com/office/drawing/2010/main">
+              <a14:hiddenFill xmlns:a14="http://schemas.microsoft.com/office/drawing/2010/main" xmlns="">
                 <a:solidFill>
                   <a:srgbClr val="FFFFFF"/>
                 </a:solidFill>
@@ -9134,7 +9134,7 @@
               </a:ln>
               <a:extLst>
                 <a:ext uri="{91240B29-F687-4f45-9708-019B960494DF}">
-                  <a14:hiddenLine xmlns="" xmlns:a14="http://schemas.microsoft.com/office/drawing/2010/main" w="9525">
+                  <a14:hiddenLine xmlns:a14="http://schemas.microsoft.com/office/drawing/2010/main" xmlns="" w="9525">
                     <a:solidFill>
                       <a:srgbClr val="000000"/>
                     </a:solidFill>
@@ -9224,7 +9224,7 @@
               </a:ln>
               <a:extLst>
                 <a:ext uri="{91240B29-F687-4f45-9708-019B960494DF}">
-                  <a14:hiddenLine xmlns="" xmlns:a14="http://schemas.microsoft.com/office/drawing/2010/main" w="9525">
+                  <a14:hiddenLine xmlns:a14="http://schemas.microsoft.com/office/drawing/2010/main" xmlns="" w="9525">
                     <a:solidFill>
                       <a:srgbClr val="000000"/>
                     </a:solidFill>
@@ -9314,7 +9314,7 @@
               </a:ln>
               <a:extLst>
                 <a:ext uri="{91240B29-F687-4f45-9708-019B960494DF}">
-                  <a14:hiddenLine xmlns="" xmlns:a14="http://schemas.microsoft.com/office/drawing/2010/main" w="9525">
+                  <a14:hiddenLine xmlns:a14="http://schemas.microsoft.com/office/drawing/2010/main" xmlns="" w="9525">
                     <a:solidFill>
                       <a:srgbClr val="000000"/>
                     </a:solidFill>
@@ -9376,7 +9376,7 @@
               </a:ln>
               <a:extLst>
                 <a:ext uri="{91240B29-F687-4f45-9708-019B960494DF}">
-                  <a14:hiddenLine xmlns="" xmlns:a14="http://schemas.microsoft.com/office/drawing/2010/main" w="9525">
+                  <a14:hiddenLine xmlns:a14="http://schemas.microsoft.com/office/drawing/2010/main" xmlns="" w="9525">
                     <a:solidFill>
                       <a:srgbClr val="000000"/>
                     </a:solidFill>
@@ -9466,7 +9466,7 @@
               </a:ln>
               <a:extLst>
                 <a:ext uri="{91240B29-F687-4f45-9708-019B960494DF}">
-                  <a14:hiddenLine xmlns="" xmlns:a14="http://schemas.microsoft.com/office/drawing/2010/main" w="9525">
+                  <a14:hiddenLine xmlns:a14="http://schemas.microsoft.com/office/drawing/2010/main" xmlns="" w="9525">
                     <a:solidFill>
                       <a:srgbClr val="000000"/>
                     </a:solidFill>
@@ -9528,7 +9528,7 @@
               </a:ln>
               <a:extLst>
                 <a:ext uri="{91240B29-F687-4f45-9708-019B960494DF}">
-                  <a14:hiddenLine xmlns="" xmlns:a14="http://schemas.microsoft.com/office/drawing/2010/main" w="9525">
+                  <a14:hiddenLine xmlns:a14="http://schemas.microsoft.com/office/drawing/2010/main" xmlns="" w="9525">
                     <a:solidFill>
                       <a:srgbClr val="000000"/>
                     </a:solidFill>
@@ -9590,7 +9590,7 @@
               </a:ln>
               <a:extLst>
                 <a:ext uri="{91240B29-F687-4f45-9708-019B960494DF}">
-                  <a14:hiddenLine xmlns="" xmlns:a14="http://schemas.microsoft.com/office/drawing/2010/main" w="9525">
+                  <a14:hiddenLine xmlns:a14="http://schemas.microsoft.com/office/drawing/2010/main" xmlns="" w="9525">
                     <a:solidFill>
                       <a:srgbClr val="000000"/>
                     </a:solidFill>
@@ -9680,7 +9680,7 @@
               </a:ln>
               <a:extLst>
                 <a:ext uri="{91240B29-F687-4f45-9708-019B960494DF}">
-                  <a14:hiddenLine xmlns="" xmlns:a14="http://schemas.microsoft.com/office/drawing/2010/main" w="9525">
+                  <a14:hiddenLine xmlns:a14="http://schemas.microsoft.com/office/drawing/2010/main" xmlns="" w="9525">
                     <a:solidFill>
                       <a:srgbClr val="000000"/>
                     </a:solidFill>
@@ -9770,7 +9770,7 @@
               </a:ln>
               <a:extLst>
                 <a:ext uri="{91240B29-F687-4f45-9708-019B960494DF}">
-                  <a14:hiddenLine xmlns="" xmlns:a14="http://schemas.microsoft.com/office/drawing/2010/main" w="9525">
+                  <a14:hiddenLine xmlns:a14="http://schemas.microsoft.com/office/drawing/2010/main" xmlns="" w="9525">
                     <a:solidFill>
                       <a:srgbClr val="000000"/>
                     </a:solidFill>
@@ -9832,7 +9832,7 @@
               </a:ln>
               <a:extLst>
                 <a:ext uri="{91240B29-F687-4f45-9708-019B960494DF}">
-                  <a14:hiddenLine xmlns="" xmlns:a14="http://schemas.microsoft.com/office/drawing/2010/main" w="9525">
+                  <a14:hiddenLine xmlns:a14="http://schemas.microsoft.com/office/drawing/2010/main" xmlns="" w="9525">
                     <a:solidFill>
                       <a:srgbClr val="000000"/>
                     </a:solidFill>
@@ -9942,7 +9942,7 @@
               </a:ln>
               <a:extLst>
                 <a:ext uri="{91240B29-F687-4f45-9708-019B960494DF}">
-                  <a14:hiddenLine xmlns="" xmlns:a14="http://schemas.microsoft.com/office/drawing/2010/main" w="9525">
+                  <a14:hiddenLine xmlns:a14="http://schemas.microsoft.com/office/drawing/2010/main" xmlns="" w="9525">
                     <a:solidFill>
                       <a:srgbClr val="000000"/>
                     </a:solidFill>
@@ -10026,7 +10026,7 @@
               </a:ln>
               <a:extLst>
                 <a:ext uri="{91240B29-F687-4f45-9708-019B960494DF}">
-                  <a14:hiddenLine xmlns="" xmlns:a14="http://schemas.microsoft.com/office/drawing/2010/main" w="9525">
+                  <a14:hiddenLine xmlns:a14="http://schemas.microsoft.com/office/drawing/2010/main" xmlns="" w="9525">
                     <a:solidFill>
                       <a:srgbClr val="000000"/>
                     </a:solidFill>
@@ -10088,7 +10088,7 @@
               </a:ln>
               <a:extLst>
                 <a:ext uri="{91240B29-F687-4f45-9708-019B960494DF}">
-                  <a14:hiddenLine xmlns="" xmlns:a14="http://schemas.microsoft.com/office/drawing/2010/main" w="9525">
+                  <a14:hiddenLine xmlns:a14="http://schemas.microsoft.com/office/drawing/2010/main" xmlns="" w="9525">
                     <a:solidFill>
                       <a:srgbClr val="000000"/>
                     </a:solidFill>
@@ -10150,7 +10150,7 @@
               </a:ln>
               <a:extLst>
                 <a:ext uri="{91240B29-F687-4f45-9708-019B960494DF}">
-                  <a14:hiddenLine xmlns="" xmlns:a14="http://schemas.microsoft.com/office/drawing/2010/main" w="9525">
+                  <a14:hiddenLine xmlns:a14="http://schemas.microsoft.com/office/drawing/2010/main" xmlns="" w="9525">
                     <a:solidFill>
                       <a:srgbClr val="000000"/>
                     </a:solidFill>
@@ -10240,7 +10240,7 @@
               </a:ln>
               <a:extLst>
                 <a:ext uri="{91240B29-F687-4f45-9708-019B960494DF}">
-                  <a14:hiddenLine xmlns="" xmlns:a14="http://schemas.microsoft.com/office/drawing/2010/main" w="9525">
+                  <a14:hiddenLine xmlns:a14="http://schemas.microsoft.com/office/drawing/2010/main" xmlns="" w="9525">
                     <a:solidFill>
                       <a:srgbClr val="000000"/>
                     </a:solidFill>
@@ -10274,7 +10274,7 @@
               </a:ln>
               <a:extLst>
                 <a:ext uri="{91240B29-F687-4f45-9708-019B960494DF}">
-                  <a14:hiddenLine xmlns="" xmlns:a14="http://schemas.microsoft.com/office/drawing/2010/main" w="9525">
+                  <a14:hiddenLine xmlns:a14="http://schemas.microsoft.com/office/drawing/2010/main" xmlns="" w="9525">
                     <a:solidFill>
                       <a:srgbClr val="000000"/>
                     </a:solidFill>
@@ -10339,7 +10339,7 @@
               </a:ln>
               <a:extLst>
                 <a:ext uri="{91240B29-F687-4f45-9708-019B960494DF}">
-                  <a14:hiddenLine xmlns="" xmlns:a14="http://schemas.microsoft.com/office/drawing/2010/main" w="9525">
+                  <a14:hiddenLine xmlns:a14="http://schemas.microsoft.com/office/drawing/2010/main" xmlns="" w="9525">
                     <a:solidFill>
                       <a:srgbClr val="000000"/>
                     </a:solidFill>
@@ -10429,7 +10429,7 @@
               </a:ln>
               <a:extLst>
                 <a:ext uri="{91240B29-F687-4f45-9708-019B960494DF}">
-                  <a14:hiddenLine xmlns="" xmlns:a14="http://schemas.microsoft.com/office/drawing/2010/main" w="9525">
+                  <a14:hiddenLine xmlns:a14="http://schemas.microsoft.com/office/drawing/2010/main" xmlns="" w="9525">
                     <a:solidFill>
                       <a:srgbClr val="000000"/>
                     </a:solidFill>
@@ -10491,7 +10491,7 @@
               </a:ln>
               <a:extLst>
                 <a:ext uri="{91240B29-F687-4f45-9708-019B960494DF}">
-                  <a14:hiddenLine xmlns="" xmlns:a14="http://schemas.microsoft.com/office/drawing/2010/main" w="9525">
+                  <a14:hiddenLine xmlns:a14="http://schemas.microsoft.com/office/drawing/2010/main" xmlns="" w="9525">
                     <a:solidFill>
                       <a:srgbClr val="000000"/>
                     </a:solidFill>
@@ -10581,7 +10581,7 @@
               </a:ln>
               <a:extLst>
                 <a:ext uri="{91240B29-F687-4f45-9708-019B960494DF}">
-                  <a14:hiddenLine xmlns="" xmlns:a14="http://schemas.microsoft.com/office/drawing/2010/main" w="9525">
+                  <a14:hiddenLine xmlns:a14="http://schemas.microsoft.com/office/drawing/2010/main" xmlns="" w="9525">
                     <a:solidFill>
                       <a:srgbClr val="000000"/>
                     </a:solidFill>
@@ -10646,7 +10646,7 @@
               </a:ln>
               <a:extLst>
                 <a:ext uri="{91240B29-F687-4f45-9708-019B960494DF}">
-                  <a14:hiddenLine xmlns="" xmlns:a14="http://schemas.microsoft.com/office/drawing/2010/main" w="9525">
+                  <a14:hiddenLine xmlns:a14="http://schemas.microsoft.com/office/drawing/2010/main" xmlns="" w="9525">
                     <a:solidFill>
                       <a:srgbClr val="000000"/>
                     </a:solidFill>
@@ -10708,7 +10708,7 @@
               </a:ln>
               <a:extLst>
                 <a:ext uri="{91240B29-F687-4f45-9708-019B960494DF}">
-                  <a14:hiddenLine xmlns="" xmlns:a14="http://schemas.microsoft.com/office/drawing/2010/main" w="9525">
+                  <a14:hiddenLine xmlns:a14="http://schemas.microsoft.com/office/drawing/2010/main" xmlns="" w="9525">
                     <a:solidFill>
                       <a:srgbClr val="000000"/>
                     </a:solidFill>
@@ -10798,7 +10798,7 @@
               </a:ln>
               <a:extLst>
                 <a:ext uri="{91240B29-F687-4f45-9708-019B960494DF}">
-                  <a14:hiddenLine xmlns="" xmlns:a14="http://schemas.microsoft.com/office/drawing/2010/main" w="9525">
+                  <a14:hiddenLine xmlns:a14="http://schemas.microsoft.com/office/drawing/2010/main" xmlns="" w="9525">
                     <a:solidFill>
                       <a:srgbClr val="000000"/>
                     </a:solidFill>
@@ -10888,7 +10888,7 @@
               </a:ln>
               <a:extLst>
                 <a:ext uri="{91240B29-F687-4f45-9708-019B960494DF}">
-                  <a14:hiddenLine xmlns="" xmlns:a14="http://schemas.microsoft.com/office/drawing/2010/main" w="9525">
+                  <a14:hiddenLine xmlns:a14="http://schemas.microsoft.com/office/drawing/2010/main" xmlns="" w="9525">
                     <a:solidFill>
                       <a:srgbClr val="000000"/>
                     </a:solidFill>
@@ -10953,7 +10953,7 @@
               </a:ln>
               <a:extLst>
                 <a:ext uri="{91240B29-F687-4f45-9708-019B960494DF}">
-                  <a14:hiddenLine xmlns="" xmlns:a14="http://schemas.microsoft.com/office/drawing/2010/main" w="9525">
+                  <a14:hiddenLine xmlns:a14="http://schemas.microsoft.com/office/drawing/2010/main" xmlns="" w="9525">
                     <a:solidFill>
                       <a:srgbClr val="000000"/>
                     </a:solidFill>
@@ -11073,7 +11073,7 @@
               </a:ln>
               <a:extLst>
                 <a:ext uri="{91240B29-F687-4f45-9708-019B960494DF}">
-                  <a14:hiddenLine xmlns="" xmlns:a14="http://schemas.microsoft.com/office/drawing/2010/main" w="9525">
+                  <a14:hiddenLine xmlns:a14="http://schemas.microsoft.com/office/drawing/2010/main" xmlns="" w="9525">
                     <a:solidFill>
                       <a:srgbClr val="000000"/>
                     </a:solidFill>
@@ -11171,7 +11171,7 @@
               </a:ln>
               <a:extLst>
                 <a:ext uri="{91240B29-F687-4f45-9708-019B960494DF}">
-                  <a14:hiddenLine xmlns="" xmlns:a14="http://schemas.microsoft.com/office/drawing/2010/main" w="9525">
+                  <a14:hiddenLine xmlns:a14="http://schemas.microsoft.com/office/drawing/2010/main" xmlns="" w="9525">
                     <a:solidFill>
                       <a:srgbClr val="000000"/>
                     </a:solidFill>
@@ -11286,7 +11286,7 @@
               </a:ln>
               <a:extLst>
                 <a:ext uri="{91240B29-F687-4f45-9708-019B960494DF}">
-                  <a14:hiddenLine xmlns="" xmlns:a14="http://schemas.microsoft.com/office/drawing/2010/main" w="9525">
+                  <a14:hiddenLine xmlns:a14="http://schemas.microsoft.com/office/drawing/2010/main" xmlns="" w="9525">
                     <a:solidFill>
                       <a:srgbClr val="000000"/>
                     </a:solidFill>
@@ -11376,7 +11376,7 @@
               </a:ln>
               <a:extLst>
                 <a:ext uri="{91240B29-F687-4f45-9708-019B960494DF}">
-                  <a14:hiddenLine xmlns="" xmlns:a14="http://schemas.microsoft.com/office/drawing/2010/main" w="9525">
+                  <a14:hiddenLine xmlns:a14="http://schemas.microsoft.com/office/drawing/2010/main" xmlns="" w="9525">
                     <a:solidFill>
                       <a:srgbClr val="000000"/>
                     </a:solidFill>
@@ -11441,7 +11441,7 @@
               </a:ln>
               <a:extLst>
                 <a:ext uri="{91240B29-F687-4f45-9708-019B960494DF}">
-                  <a14:hiddenLine xmlns="" xmlns:a14="http://schemas.microsoft.com/office/drawing/2010/main" w="9525">
+                  <a14:hiddenLine xmlns:a14="http://schemas.microsoft.com/office/drawing/2010/main" xmlns="" w="9525">
                     <a:solidFill>
                       <a:srgbClr val="000000"/>
                     </a:solidFill>
@@ -11531,7 +11531,7 @@
               </a:ln>
               <a:extLst>
                 <a:ext uri="{91240B29-F687-4f45-9708-019B960494DF}">
-                  <a14:hiddenLine xmlns="" xmlns:a14="http://schemas.microsoft.com/office/drawing/2010/main" w="9525">
+                  <a14:hiddenLine xmlns:a14="http://schemas.microsoft.com/office/drawing/2010/main" xmlns="" w="9525">
                     <a:solidFill>
                       <a:srgbClr val="000000"/>
                     </a:solidFill>
@@ -11599,7 +11599,7 @@
               </a:ln>
               <a:extLst>
                 <a:ext uri="{91240B29-F687-4f45-9708-019B960494DF}">
-                  <a14:hiddenLine xmlns="" xmlns:a14="http://schemas.microsoft.com/office/drawing/2010/main" w="9525">
+                  <a14:hiddenLine xmlns:a14="http://schemas.microsoft.com/office/drawing/2010/main" xmlns="" w="9525">
                     <a:solidFill>
                       <a:srgbClr val="000000"/>
                     </a:solidFill>
@@ -11689,7 +11689,7 @@
               </a:ln>
               <a:extLst>
                 <a:ext uri="{91240B29-F687-4f45-9708-019B960494DF}">
-                  <a14:hiddenLine xmlns="" xmlns:a14="http://schemas.microsoft.com/office/drawing/2010/main" w="9525">
+                  <a14:hiddenLine xmlns:a14="http://schemas.microsoft.com/office/drawing/2010/main" xmlns="" w="9525">
                     <a:solidFill>
                       <a:srgbClr val="000000"/>
                     </a:solidFill>
@@ -11757,7 +11757,7 @@
               </a:ln>
               <a:extLst>
                 <a:ext uri="{91240B29-F687-4f45-9708-019B960494DF}">
-                  <a14:hiddenLine xmlns="" xmlns:a14="http://schemas.microsoft.com/office/drawing/2010/main" w="9525">
+                  <a14:hiddenLine xmlns:a14="http://schemas.microsoft.com/office/drawing/2010/main" xmlns="" w="9525">
                     <a:solidFill>
                       <a:srgbClr val="000000"/>
                     </a:solidFill>
@@ -11847,7 +11847,7 @@
               </a:ln>
               <a:extLst>
                 <a:ext uri="{91240B29-F687-4f45-9708-019B960494DF}">
-                  <a14:hiddenLine xmlns="" xmlns:a14="http://schemas.microsoft.com/office/drawing/2010/main" w="9525">
+                  <a14:hiddenLine xmlns:a14="http://schemas.microsoft.com/office/drawing/2010/main" xmlns="" w="9525">
                     <a:solidFill>
                       <a:srgbClr val="000000"/>
                     </a:solidFill>
@@ -11881,7 +11881,7 @@
               </a:ln>
               <a:extLst>
                 <a:ext uri="{91240B29-F687-4f45-9708-019B960494DF}">
-                  <a14:hiddenLine xmlns="" xmlns:a14="http://schemas.microsoft.com/office/drawing/2010/main" w="9525">
+                  <a14:hiddenLine xmlns:a14="http://schemas.microsoft.com/office/drawing/2010/main" xmlns="" w="9525">
                     <a:solidFill>
                       <a:srgbClr val="000000"/>
                     </a:solidFill>
@@ -14029,7 +14029,15 @@
           <a:bodyPr/>
           <a:lstStyle/>
           <a:p>
-            <a:endParaRPr lang="es-MX" dirty="0"/>
+            <a:pPr marL="0" indent="0">
+              <a:buNone/>
+            </a:pPr>
+            <a:r>
+              <a:rPr lang="es-MX" dirty="0">
+                <a:hlinkClick r:id="rId2"/>
+              </a:rPr>
+              <a:t>https://github.com/Cynthia21Morales/EstructuraDeDatos_CynthiaJasmineMT/tree/main/ED-Tema-6/MetodosBusqueda</a:t>
+            </a:r>
           </a:p>
         </p:txBody>
       </p:sp>
